--- a/python-for-beginners/Slides/9 - MultipleConditions.pptx
+++ b/python-for-beginners/Slides/9 - MultipleConditions.pptx
@@ -1157,7 +1157,7 @@
               <a:rPr lang="en-US" smtClean="0">
                 <a:latin typeface="Segoe UI" pitchFamily="34" charset="0"/>
               </a:rPr>
-              <a:t>6/9/2019 4:51 PM</a:t>
+              <a:t>7/17/2020 8:09 PM</a:t>
             </a:fld>
             <a:endParaRPr lang="en-US" dirty="0">
               <a:latin typeface="Segoe UI" pitchFamily="34" charset="0"/>
@@ -1435,7 +1435,7 @@
           <a:p>
             <a:fld id="{38EEC551-8CDA-4EB6-89BB-2A86C9F091C8}" type="datetime8">
               <a:rPr lang="en-US" smtClean="0"/>
-              <a:t>6/9/2019 4:50 PM</a:t>
+              <a:t>7/17/2020 8:08 PM</a:t>
             </a:fld>
             <a:endParaRPr lang="en-US" dirty="0"/>
           </a:p>
@@ -1769,7 +1769,7 @@
           <a:p>
             <a:fld id="{6108602D-D426-4C00-B215-BFA18C076426}" type="datetime8">
               <a:rPr lang="en-US" smtClean="0"/>
-              <a:t>6/9/2019 4:50 PM</a:t>
+              <a:t>7/17/2020 8:11 PM</a:t>
             </a:fld>
             <a:endParaRPr lang="en-US" dirty="0"/>
           </a:p>
@@ -1934,7 +1934,7 @@
           <a:p>
             <a:fld id="{6108602D-D426-4C00-B215-BFA18C076426}" type="datetime8">
               <a:rPr lang="en-US" smtClean="0"/>
-              <a:t>6/9/2019 4:50 PM</a:t>
+              <a:t>7/17/2020 8:13 PM</a:t>
             </a:fld>
             <a:endParaRPr lang="en-US" dirty="0"/>
           </a:p>
@@ -2099,7 +2099,7 @@
           <a:p>
             <a:fld id="{6108602D-D426-4C00-B215-BFA18C076426}" type="datetime8">
               <a:rPr lang="en-US" smtClean="0"/>
-              <a:t>6/9/2019 4:50 PM</a:t>
+              <a:t>7/17/2020 8:14 PM</a:t>
             </a:fld>
             <a:endParaRPr lang="en-US" dirty="0"/>
           </a:p>
@@ -2264,7 +2264,7 @@
           <a:p>
             <a:fld id="{6108602D-D426-4C00-B215-BFA18C076426}" type="datetime8">
               <a:rPr lang="en-US" smtClean="0"/>
-              <a:t>6/9/2019 4:50 PM</a:t>
+              <a:t>7/17/2020 8:16 PM</a:t>
             </a:fld>
             <a:endParaRPr lang="en-US" dirty="0"/>
           </a:p>
@@ -2429,7 +2429,7 @@
           <a:p>
             <a:fld id="{6108602D-D426-4C00-B215-BFA18C076426}" type="datetime8">
               <a:rPr lang="en-US" smtClean="0"/>
-              <a:t>6/9/2019 4:50 PM</a:t>
+              <a:t>7/17/2020 8:17 PM</a:t>
             </a:fld>
             <a:endParaRPr lang="en-US" dirty="0"/>
           </a:p>
@@ -2594,7 +2594,7 @@
           <a:p>
             <a:fld id="{6108602D-D426-4C00-B215-BFA18C076426}" type="datetime8">
               <a:rPr lang="en-US" smtClean="0"/>
-              <a:t>6/9/2019 4:50 PM</a:t>
+              <a:t>7/17/2020 8:19 PM</a:t>
             </a:fld>
             <a:endParaRPr lang="en-US" dirty="0"/>
           </a:p>
@@ -2759,7 +2759,7 @@
           <a:p>
             <a:fld id="{6108602D-D426-4C00-B215-BFA18C076426}" type="datetime8">
               <a:rPr lang="en-US" smtClean="0"/>
-              <a:t>6/9/2019 4:50 PM</a:t>
+              <a:t>7/17/2020 8:25 PM</a:t>
             </a:fld>
             <a:endParaRPr lang="en-US" dirty="0"/>
           </a:p>
@@ -3030,7 +3030,7 @@
                 <a:tabLst/>
                 <a:defRPr/>
               </a:pPr>
-              <a:t>6/9/2019 4:50 PM</a:t>
+              <a:t>7/17/2020 8:22 PM</a:t>
             </a:fld>
             <a:endParaRPr kumimoji="0" lang="en-US" sz="1200" b="0" i="0" u="none" strike="noStrike" kern="1200" cap="none" spc="0" normalizeH="0" baseline="0" noProof="0" dirty="0">
               <a:ln>
@@ -41393,20 +41393,45 @@
           </a:lstStyle>
           <a:p>
             <a:r>
+              <a:rPr lang="en-US" dirty="0" err="1">
+                <a:solidFill>
+                  <a:schemeClr val="bg1"/>
+                </a:solidFill>
+              </a:rPr>
+              <a:t>Manipulação</a:t>
+            </a:r>
+            <a:r>
               <a:rPr lang="en-US" dirty="0">
                 <a:solidFill>
                   <a:schemeClr val="bg1"/>
                 </a:solidFill>
               </a:rPr>
-              <a:t>Handling multiple conditions </a:t>
+              <a:t> de </a:t>
             </a:r>
-            <a:br>
+            <a:r>
+              <a:rPr lang="en-US" dirty="0" err="1">
+                <a:solidFill>
+                  <a:schemeClr val="bg1"/>
+                </a:solidFill>
+              </a:rPr>
+              <a:t>múltiplas</a:t>
+            </a:r>
+            <a:r>
               <a:rPr lang="en-US" dirty="0">
                 <a:solidFill>
                   <a:schemeClr val="bg1"/>
                 </a:solidFill>
               </a:rPr>
-            </a:br>
+              <a:t> </a:t>
+            </a:r>
+            <a:r>
+              <a:rPr lang="en-US" dirty="0" err="1">
+                <a:solidFill>
+                  <a:schemeClr val="bg1"/>
+                </a:solidFill>
+              </a:rPr>
+              <a:t>condicionais</a:t>
+            </a:r>
             <a:endParaRPr lang="en-US" dirty="0">
               <a:solidFill>
                 <a:schemeClr val="bg1"/>
@@ -41503,13 +41528,16 @@
         </p:nvSpPr>
         <p:spPr/>
         <p:txBody>
-          <a:bodyPr/>
+          <a:bodyPr>
+            <a:normAutofit fontScale="90000"/>
+          </a:bodyPr>
           <a:lstStyle/>
           <a:p>
             <a:r>
-              <a:rPr lang="en-US" b="1" dirty="0"/>
-              <a:t>You may need to check multiple conditions to determine the correct action</a:t>
+              <a:rPr lang="pt-BR" b="1" dirty="0"/>
+              <a:t>Pode ser necessário verificar várias condições para determinar a ação correta</a:t>
             </a:r>
+            <a:endParaRPr lang="en-US" b="1" dirty="0"/>
           </a:p>
         </p:txBody>
       </p:sp>
@@ -41546,7 +41574,7 @@
                   <a:srgbClr val="C00000"/>
                 </a:solidFill>
               </a:rPr>
-              <a:t>'Alberta'</a:t>
+              <a:t>'São Paulo'</a:t>
             </a:r>
             <a:r>
               <a:rPr lang="en-US" dirty="0">
@@ -41574,7 +41602,7 @@
                   <a:srgbClr val="C00000"/>
                 </a:solidFill>
               </a:rPr>
-              <a:t>'Nunavut'</a:t>
+              <a:t>'Rio de Janeiro'</a:t>
             </a:r>
             <a:r>
               <a:rPr lang="en-US" dirty="0">
@@ -41602,7 +41630,7 @@
                   <a:srgbClr val="C00000"/>
                 </a:solidFill>
               </a:rPr>
-              <a:t>'Ontario'</a:t>
+              <a:t>'Campinas'</a:t>
             </a:r>
             <a:r>
               <a:rPr lang="en-US" dirty="0">
@@ -41731,14 +41759,14 @@
                 </a:spcAft>
               </a:pPr>
               <a:r>
-                <a:rPr lang="en-CA" dirty="0">
+                <a:rPr lang="pt-BR" dirty="0">
                   <a:solidFill>
                     <a:srgbClr val="FF0000"/>
                   </a:solidFill>
                   <a:ea typeface="Segoe UI" pitchFamily="34" charset="0"/>
                   <a:cs typeface="Segoe UI" pitchFamily="34" charset="0"/>
                 </a:rPr>
-                <a:t>Calculate Canadian sales tax</a:t>
+                <a:t>Calcular imposto sobre vendas no Brasil</a:t>
               </a:r>
             </a:p>
             <a:p>
@@ -41753,7 +41781,7 @@
                   <a:spcPct val="0"/>
                 </a:spcAft>
               </a:pPr>
-              <a:endParaRPr lang="en-CA" dirty="0">
+              <a:endParaRPr lang="pt-BR" dirty="0">
                 <a:solidFill>
                   <a:srgbClr val="FF0000"/>
                 </a:solidFill>
@@ -41762,32 +41790,7 @@
               </a:endParaRPr>
             </a:p>
             <a:p>
-              <a:pPr marL="342900" indent="-342900" defTabSz="932472" fontAlgn="base">
-                <a:lnSpc>
-                  <a:spcPct val="90000"/>
-                </a:lnSpc>
-                <a:spcBef>
-                  <a:spcPct val="0"/>
-                </a:spcBef>
-                <a:spcAft>
-                  <a:spcPct val="0"/>
-                </a:spcAft>
-                <a:buFont typeface="Arial" panose="020B0604020202020204" pitchFamily="34" charset="0"/>
-                <a:buChar char="•"/>
-              </a:pPr>
-              <a:r>
-                <a:rPr lang="en-CA" dirty="0">
-                  <a:solidFill>
-                    <a:srgbClr val="FF0000"/>
-                  </a:solidFill>
-                  <a:ea typeface="Segoe UI" pitchFamily="34" charset="0"/>
-                  <a:cs typeface="Segoe UI" pitchFamily="34" charset="0"/>
-                </a:rPr>
-                <a:t>If the province is Alberta or Nunavut charge 5%</a:t>
-              </a:r>
-            </a:p>
-            <a:p>
-              <a:pPr defTabSz="932472" fontAlgn="base">
+              <a:pPr algn="ctr" defTabSz="932472" fontAlgn="base">
                 <a:lnSpc>
                   <a:spcPct val="90000"/>
                 </a:lnSpc>
@@ -41798,16 +41801,19 @@
                   <a:spcPct val="0"/>
                 </a:spcAft>
               </a:pPr>
-              <a:endParaRPr lang="en-CA" dirty="0">
-                <a:solidFill>
-                  <a:srgbClr val="FF0000"/>
-                </a:solidFill>
-                <a:ea typeface="Segoe UI" pitchFamily="34" charset="0"/>
-                <a:cs typeface="Segoe UI" pitchFamily="34" charset="0"/>
-              </a:endParaRPr>
+              <a:r>
+                <a:rPr lang="pt-BR" dirty="0">
+                  <a:solidFill>
+                    <a:srgbClr val="FF0000"/>
+                  </a:solidFill>
+                  <a:ea typeface="Segoe UI" pitchFamily="34" charset="0"/>
+                  <a:cs typeface="Segoe UI" pitchFamily="34" charset="0"/>
+                </a:rPr>
+                <a:t>Se a cidade for São Paulo ou Rio de Janeiro, cobram 5%</a:t>
+              </a:r>
             </a:p>
             <a:p>
-              <a:pPr marL="342900" indent="-342900" defTabSz="932472" fontAlgn="base">
+              <a:pPr algn="ctr" defTabSz="932472" fontAlgn="base">
                 <a:lnSpc>
                   <a:spcPct val="90000"/>
                 </a:lnSpc>
@@ -41817,19 +41823,44 @@
                 <a:spcAft>
                   <a:spcPct val="0"/>
                 </a:spcAft>
-                <a:buFont typeface="Arial" panose="020B0604020202020204" pitchFamily="34" charset="0"/>
-                <a:buChar char="•"/>
+              </a:pPr>
+              <a:endParaRPr lang="pt-BR" dirty="0">
+                <a:solidFill>
+                  <a:srgbClr val="FF0000"/>
+                </a:solidFill>
+                <a:ea typeface="Segoe UI" pitchFamily="34" charset="0"/>
+                <a:cs typeface="Segoe UI" pitchFamily="34" charset="0"/>
+              </a:endParaRPr>
+            </a:p>
+            <a:p>
+              <a:pPr algn="ctr" defTabSz="932472" fontAlgn="base">
+                <a:lnSpc>
+                  <a:spcPct val="90000"/>
+                </a:lnSpc>
+                <a:spcBef>
+                  <a:spcPct val="0"/>
+                </a:spcBef>
+                <a:spcAft>
+                  <a:spcPct val="0"/>
+                </a:spcAft>
               </a:pPr>
               <a:r>
-                <a:rPr lang="en-CA" dirty="0">
+                <a:rPr lang="pt-BR" dirty="0">
                   <a:solidFill>
                     <a:srgbClr val="FF0000"/>
                   </a:solidFill>
                   <a:ea typeface="Segoe UI" pitchFamily="34" charset="0"/>
                   <a:cs typeface="Segoe UI" pitchFamily="34" charset="0"/>
                 </a:rPr>
-                <a:t>If the province is Ontario charge 13%</a:t>
+                <a:t>Se a cidade for Campinas, cobram 13%</a:t>
               </a:r>
+              <a:endParaRPr lang="en-CA" dirty="0">
+                <a:solidFill>
+                  <a:srgbClr val="FF0000"/>
+                </a:solidFill>
+                <a:ea typeface="Segoe UI" pitchFamily="34" charset="0"/>
+                <a:cs typeface="Segoe UI" pitchFamily="34" charset="0"/>
+              </a:endParaRPr>
             </a:p>
           </p:txBody>
         </p:sp>
@@ -42156,12 +42187,8 @@
           <a:lstStyle/>
           <a:p>
             <a:r>
-              <a:rPr lang="en-US" b="1" dirty="0"/>
-              <a:t>If only one of the conditions will ever occur you can use a single if statement with </a:t>
-            </a:r>
-            <a:r>
-              <a:rPr lang="en-US" b="1" dirty="0" err="1"/>
-              <a:t>elif</a:t>
+              <a:rPr lang="pt-BR" b="1" dirty="0"/>
+              <a:t>Se apenas uma das condições ocorrer, você poderá usar uma única instrução if com elif</a:t>
             </a:r>
             <a:endParaRPr lang="en-US" b="1" dirty="0"/>
           </a:p>
@@ -42180,7 +42207,7 @@
         <p:spPr>
           <a:xfrm>
             <a:off x="365760" y="1371600"/>
-            <a:ext cx="7528877" cy="3748719"/>
+            <a:ext cx="7909877" cy="3748719"/>
           </a:xfrm>
         </p:spPr>
         <p:txBody>
@@ -42200,7 +42227,7 @@
                   <a:srgbClr val="C00000"/>
                 </a:solidFill>
               </a:rPr>
-              <a:t>'Alberta'</a:t>
+              <a:t>'São Paulo'</a:t>
             </a:r>
             <a:r>
               <a:rPr lang="en-US" dirty="0">
@@ -42254,7 +42281,7 @@
                   <a:srgbClr val="C00000"/>
                 </a:solidFill>
               </a:rPr>
-              <a:t>'Nunavut'</a:t>
+              <a:t>'Rio de Janeiro'</a:t>
             </a:r>
             <a:r>
               <a:rPr lang="en-US" dirty="0">
@@ -42295,7 +42322,7 @@
                   <a:srgbClr val="C00000"/>
                 </a:solidFill>
               </a:rPr>
-              <a:t>'Ontario'</a:t>
+              <a:t>'Campinas'</a:t>
             </a:r>
             <a:r>
               <a:rPr lang="en-CA" dirty="0">
@@ -42409,14 +42436,14 @@
                 </a:spcAft>
               </a:pPr>
               <a:r>
-                <a:rPr lang="en-CA" dirty="0">
+                <a:rPr lang="pt-BR" dirty="0">
                   <a:solidFill>
                     <a:srgbClr val="FF0000"/>
                   </a:solidFill>
                   <a:ea typeface="Segoe UI" pitchFamily="34" charset="0"/>
                   <a:cs typeface="Segoe UI" pitchFamily="34" charset="0"/>
                 </a:rPr>
-                <a:t>Calculate Canadian sales tax</a:t>
+                <a:t>Calcular imposto sobre vendas no Brasil</a:t>
               </a:r>
             </a:p>
             <a:p>
@@ -42431,7 +42458,7 @@
                   <a:spcPct val="0"/>
                 </a:spcAft>
               </a:pPr>
-              <a:endParaRPr lang="en-CA" dirty="0">
+              <a:endParaRPr lang="pt-BR" dirty="0">
                 <a:solidFill>
                   <a:srgbClr val="FF0000"/>
                 </a:solidFill>
@@ -42440,32 +42467,7 @@
               </a:endParaRPr>
             </a:p>
             <a:p>
-              <a:pPr marL="342900" indent="-342900" defTabSz="932472" fontAlgn="base">
-                <a:lnSpc>
-                  <a:spcPct val="90000"/>
-                </a:lnSpc>
-                <a:spcBef>
-                  <a:spcPct val="0"/>
-                </a:spcBef>
-                <a:spcAft>
-                  <a:spcPct val="0"/>
-                </a:spcAft>
-                <a:buFont typeface="Arial" panose="020B0604020202020204" pitchFamily="34" charset="0"/>
-                <a:buChar char="•"/>
-              </a:pPr>
-              <a:r>
-                <a:rPr lang="en-CA" dirty="0">
-                  <a:solidFill>
-                    <a:srgbClr val="FF0000"/>
-                  </a:solidFill>
-                  <a:ea typeface="Segoe UI" pitchFamily="34" charset="0"/>
-                  <a:cs typeface="Segoe UI" pitchFamily="34" charset="0"/>
-                </a:rPr>
-                <a:t>If the province is Alberta or Nunavut charge 5%</a:t>
-              </a:r>
-            </a:p>
-            <a:p>
-              <a:pPr defTabSz="932472" fontAlgn="base">
+              <a:pPr algn="ctr" defTabSz="932472" fontAlgn="base">
                 <a:lnSpc>
                   <a:spcPct val="90000"/>
                 </a:lnSpc>
@@ -42476,16 +42478,19 @@
                   <a:spcPct val="0"/>
                 </a:spcAft>
               </a:pPr>
-              <a:endParaRPr lang="en-CA" dirty="0">
-                <a:solidFill>
-                  <a:srgbClr val="FF0000"/>
-                </a:solidFill>
-                <a:ea typeface="Segoe UI" pitchFamily="34" charset="0"/>
-                <a:cs typeface="Segoe UI" pitchFamily="34" charset="0"/>
-              </a:endParaRPr>
+              <a:r>
+                <a:rPr lang="pt-BR" dirty="0">
+                  <a:solidFill>
+                    <a:srgbClr val="FF0000"/>
+                  </a:solidFill>
+                  <a:ea typeface="Segoe UI" pitchFamily="34" charset="0"/>
+                  <a:cs typeface="Segoe UI" pitchFamily="34" charset="0"/>
+                </a:rPr>
+                <a:t>Se a cidade for São Paulo ou Rio de Janeiro, cobram 5%</a:t>
+              </a:r>
             </a:p>
             <a:p>
-              <a:pPr marL="342900" indent="-342900" defTabSz="932472" fontAlgn="base">
+              <a:pPr algn="ctr" defTabSz="932472" fontAlgn="base">
                 <a:lnSpc>
                   <a:spcPct val="90000"/>
                 </a:lnSpc>
@@ -42495,19 +42500,44 @@
                 <a:spcAft>
                   <a:spcPct val="0"/>
                 </a:spcAft>
-                <a:buFont typeface="Arial" panose="020B0604020202020204" pitchFamily="34" charset="0"/>
-                <a:buChar char="•"/>
+              </a:pPr>
+              <a:endParaRPr lang="pt-BR" dirty="0">
+                <a:solidFill>
+                  <a:srgbClr val="FF0000"/>
+                </a:solidFill>
+                <a:ea typeface="Segoe UI" pitchFamily="34" charset="0"/>
+                <a:cs typeface="Segoe UI" pitchFamily="34" charset="0"/>
+              </a:endParaRPr>
+            </a:p>
+            <a:p>
+              <a:pPr algn="ctr" defTabSz="932472" fontAlgn="base">
+                <a:lnSpc>
+                  <a:spcPct val="90000"/>
+                </a:lnSpc>
+                <a:spcBef>
+                  <a:spcPct val="0"/>
+                </a:spcBef>
+                <a:spcAft>
+                  <a:spcPct val="0"/>
+                </a:spcAft>
               </a:pPr>
               <a:r>
-                <a:rPr lang="en-CA" dirty="0">
+                <a:rPr lang="pt-BR" dirty="0">
                   <a:solidFill>
                     <a:srgbClr val="FF0000"/>
                   </a:solidFill>
                   <a:ea typeface="Segoe UI" pitchFamily="34" charset="0"/>
                   <a:cs typeface="Segoe UI" pitchFamily="34" charset="0"/>
                 </a:rPr>
-                <a:t>If the province is Ontario charge 13%</a:t>
+                <a:t>Se a cidade for Campinas, cobram 13%</a:t>
               </a:r>
+              <a:endParaRPr lang="en-CA" dirty="0">
+                <a:solidFill>
+                  <a:srgbClr val="FF0000"/>
+                </a:solidFill>
+                <a:ea typeface="Segoe UI" pitchFamily="34" charset="0"/>
+                <a:cs typeface="Segoe UI" pitchFamily="34" charset="0"/>
+              </a:endParaRPr>
             </a:p>
           </p:txBody>
         </p:sp>
@@ -42562,21 +42592,16 @@
         </p:nvSpPr>
         <p:spPr/>
         <p:txBody>
-          <a:bodyPr/>
+          <a:bodyPr>
+            <a:normAutofit fontScale="90000"/>
+          </a:bodyPr>
           <a:lstStyle/>
           <a:p>
             <a:r>
-              <a:rPr lang="en-US" b="1" dirty="0"/>
-              <a:t>When you use </a:t>
+              <a:rPr lang="pt-BR" b="1" dirty="0"/>
+              <a:t>Quando você usa elif em vez de várias instruções if, pode adicionar uma ação padrão</a:t>
             </a:r>
-            <a:r>
-              <a:rPr lang="en-US" b="1" dirty="0" err="1"/>
-              <a:t>elif</a:t>
-            </a:r>
-            <a:r>
-              <a:rPr lang="en-US" b="1" dirty="0"/>
-              <a:t> instead of multiple if statements you can add a default action</a:t>
-            </a:r>
+            <a:endParaRPr lang="en-US" b="1" dirty="0"/>
           </a:p>
         </p:txBody>
       </p:sp>
@@ -42593,7 +42618,7 @@
         <p:spPr>
           <a:xfrm>
             <a:off x="365760" y="1371600"/>
-            <a:ext cx="6995477" cy="4789003"/>
+            <a:ext cx="7909875" cy="4789003"/>
           </a:xfrm>
         </p:spPr>
         <p:txBody>
@@ -42613,7 +42638,7 @@
                   <a:srgbClr val="C00000"/>
                 </a:solidFill>
               </a:rPr>
-              <a:t>'Alberta'</a:t>
+              <a:t>'São Paulo'</a:t>
             </a:r>
             <a:r>
               <a:rPr lang="en-CA" dirty="0">
@@ -42645,7 +42670,7 @@
                   <a:srgbClr val="C00000"/>
                 </a:solidFill>
               </a:rPr>
-              <a:t>'Nunavut'</a:t>
+              <a:t>'Rio de Janeiro'</a:t>
             </a:r>
             <a:r>
               <a:rPr lang="en-CA" dirty="0">
@@ -42677,7 +42702,7 @@
                   <a:srgbClr val="C00000"/>
                 </a:solidFill>
               </a:rPr>
-              <a:t>'Ontario'</a:t>
+              <a:t>'Campinas'</a:t>
             </a:r>
             <a:r>
               <a:rPr lang="en-CA" dirty="0">
@@ -42807,15 +42832,108 @@
                 </a:spcAft>
               </a:pPr>
               <a:r>
-                <a:rPr lang="en-CA" dirty="0">
+                <a:rPr lang="pt-BR" dirty="0">
                   <a:solidFill>
                     <a:srgbClr val="FF0000"/>
                   </a:solidFill>
                   <a:ea typeface="Segoe UI" pitchFamily="34" charset="0"/>
                   <a:cs typeface="Segoe UI" pitchFamily="34" charset="0"/>
                 </a:rPr>
-                <a:t>Calculate Canadian sales tax</a:t>
+                <a:t>Calcular imposto sobre vendas no Brasil</a:t>
               </a:r>
+            </a:p>
+            <a:p>
+              <a:pPr algn="ctr" defTabSz="932472" fontAlgn="base">
+                <a:lnSpc>
+                  <a:spcPct val="90000"/>
+                </a:lnSpc>
+                <a:spcBef>
+                  <a:spcPct val="0"/>
+                </a:spcBef>
+                <a:spcAft>
+                  <a:spcPct val="0"/>
+                </a:spcAft>
+              </a:pPr>
+              <a:endParaRPr lang="pt-BR" dirty="0">
+                <a:solidFill>
+                  <a:srgbClr val="FF0000"/>
+                </a:solidFill>
+                <a:ea typeface="Segoe UI" pitchFamily="34" charset="0"/>
+                <a:cs typeface="Segoe UI" pitchFamily="34" charset="0"/>
+              </a:endParaRPr>
+            </a:p>
+            <a:p>
+              <a:pPr algn="ctr" defTabSz="932472" fontAlgn="base">
+                <a:lnSpc>
+                  <a:spcPct val="90000"/>
+                </a:lnSpc>
+                <a:spcBef>
+                  <a:spcPct val="0"/>
+                </a:spcBef>
+                <a:spcAft>
+                  <a:spcPct val="0"/>
+                </a:spcAft>
+              </a:pPr>
+              <a:r>
+                <a:rPr lang="pt-BR" dirty="0">
+                  <a:solidFill>
+                    <a:srgbClr val="FF0000"/>
+                  </a:solidFill>
+                  <a:ea typeface="Segoe UI" pitchFamily="34" charset="0"/>
+                  <a:cs typeface="Segoe UI" pitchFamily="34" charset="0"/>
+                </a:rPr>
+                <a:t>Se a cidade for São Paulo ou Rio de Janeiro, cobram 5%</a:t>
+              </a:r>
+            </a:p>
+            <a:p>
+              <a:pPr algn="ctr" defTabSz="932472" fontAlgn="base">
+                <a:lnSpc>
+                  <a:spcPct val="90000"/>
+                </a:lnSpc>
+                <a:spcBef>
+                  <a:spcPct val="0"/>
+                </a:spcBef>
+                <a:spcAft>
+                  <a:spcPct val="0"/>
+                </a:spcAft>
+              </a:pPr>
+              <a:endParaRPr lang="pt-BR" dirty="0">
+                <a:solidFill>
+                  <a:srgbClr val="FF0000"/>
+                </a:solidFill>
+                <a:ea typeface="Segoe UI" pitchFamily="34" charset="0"/>
+                <a:cs typeface="Segoe UI" pitchFamily="34" charset="0"/>
+              </a:endParaRPr>
+            </a:p>
+            <a:p>
+              <a:pPr algn="ctr" defTabSz="932472" fontAlgn="base">
+                <a:lnSpc>
+                  <a:spcPct val="90000"/>
+                </a:lnSpc>
+                <a:spcBef>
+                  <a:spcPct val="0"/>
+                </a:spcBef>
+                <a:spcAft>
+                  <a:spcPct val="0"/>
+                </a:spcAft>
+              </a:pPr>
+              <a:r>
+                <a:rPr lang="pt-BR" dirty="0">
+                  <a:solidFill>
+                    <a:srgbClr val="FF0000"/>
+                  </a:solidFill>
+                  <a:ea typeface="Segoe UI" pitchFamily="34" charset="0"/>
+                  <a:cs typeface="Segoe UI" pitchFamily="34" charset="0"/>
+                </a:rPr>
+                <a:t>Se a cidade for Campinas, cobram 13%</a:t>
+              </a:r>
+              <a:endParaRPr lang="en-CA" dirty="0">
+                <a:solidFill>
+                  <a:srgbClr val="FF0000"/>
+                </a:solidFill>
+                <a:ea typeface="Segoe UI" pitchFamily="34" charset="0"/>
+                <a:cs typeface="Segoe UI" pitchFamily="34" charset="0"/>
+              </a:endParaRPr>
             </a:p>
             <a:p>
               <a:pPr algn="ctr" defTabSz="932472" fontAlgn="base">
@@ -42838,7 +42956,7 @@
               </a:endParaRPr>
             </a:p>
             <a:p>
-              <a:pPr marL="342900" indent="-342900" defTabSz="932472" fontAlgn="base">
+              <a:pPr algn="ctr" defTabSz="932472" fontAlgn="base">
                 <a:lnSpc>
                   <a:spcPct val="90000"/>
                 </a:lnSpc>
@@ -42848,105 +42966,9 @@
                 <a:spcAft>
                   <a:spcPct val="0"/>
                 </a:spcAft>
-                <a:buFont typeface="Arial" panose="020B0604020202020204" pitchFamily="34" charset="0"/>
-                <a:buChar char="•"/>
               </a:pPr>
               <a:r>
-                <a:rPr lang="en-CA" dirty="0">
-                  <a:solidFill>
-                    <a:srgbClr val="FF0000"/>
-                  </a:solidFill>
-                  <a:ea typeface="Segoe UI" pitchFamily="34" charset="0"/>
-                  <a:cs typeface="Segoe UI" pitchFamily="34" charset="0"/>
-                </a:rPr>
-                <a:t>If the province is Alberta or Nunavut charge 5%</a:t>
-              </a:r>
-            </a:p>
-            <a:p>
-              <a:pPr marL="342900" indent="-342900" defTabSz="932472" fontAlgn="base">
-                <a:lnSpc>
-                  <a:spcPct val="90000"/>
-                </a:lnSpc>
-                <a:spcBef>
-                  <a:spcPct val="0"/>
-                </a:spcBef>
-                <a:spcAft>
-                  <a:spcPct val="0"/>
-                </a:spcAft>
-                <a:buFont typeface="Arial" panose="020B0604020202020204" pitchFamily="34" charset="0"/>
-                <a:buChar char="•"/>
-              </a:pPr>
-              <a:endParaRPr lang="en-CA" dirty="0">
-                <a:solidFill>
-                  <a:srgbClr val="FF0000"/>
-                </a:solidFill>
-                <a:ea typeface="Segoe UI" pitchFamily="34" charset="0"/>
-                <a:cs typeface="Segoe UI" pitchFamily="34" charset="0"/>
-              </a:endParaRPr>
-            </a:p>
-            <a:p>
-              <a:pPr marL="342900" indent="-342900" defTabSz="932472" fontAlgn="base">
-                <a:lnSpc>
-                  <a:spcPct val="90000"/>
-                </a:lnSpc>
-                <a:spcBef>
-                  <a:spcPct val="0"/>
-                </a:spcBef>
-                <a:spcAft>
-                  <a:spcPct val="0"/>
-                </a:spcAft>
-                <a:buFont typeface="Arial" panose="020B0604020202020204" pitchFamily="34" charset="0"/>
-                <a:buChar char="•"/>
-              </a:pPr>
-              <a:r>
-                <a:rPr lang="en-CA" dirty="0">
-                  <a:solidFill>
-                    <a:srgbClr val="FF0000"/>
-                  </a:solidFill>
-                  <a:ea typeface="Segoe UI" pitchFamily="34" charset="0"/>
-                  <a:cs typeface="Segoe UI" pitchFamily="34" charset="0"/>
-                </a:rPr>
-                <a:t>If the province is Ontario charge 13%</a:t>
-              </a:r>
-            </a:p>
-            <a:p>
-              <a:pPr marL="342900" indent="-342900" defTabSz="932472" fontAlgn="base">
-                <a:lnSpc>
-                  <a:spcPct val="90000"/>
-                </a:lnSpc>
-                <a:spcBef>
-                  <a:spcPct val="0"/>
-                </a:spcBef>
-                <a:spcAft>
-                  <a:spcPct val="0"/>
-                </a:spcAft>
-                <a:buFont typeface="Arial" panose="020B0604020202020204" pitchFamily="34" charset="0"/>
-                <a:buChar char="•"/>
-              </a:pPr>
-              <a:endParaRPr lang="en-CA" dirty="0">
-                <a:solidFill>
-                  <a:srgbClr val="FF0000"/>
-                </a:solidFill>
-                <a:ea typeface="Segoe UI" pitchFamily="34" charset="0"/>
-                <a:cs typeface="Segoe UI" pitchFamily="34" charset="0"/>
-              </a:endParaRPr>
-            </a:p>
-            <a:p>
-              <a:pPr marL="342900" indent="-342900" defTabSz="932472" fontAlgn="base">
-                <a:lnSpc>
-                  <a:spcPct val="90000"/>
-                </a:lnSpc>
-                <a:spcBef>
-                  <a:spcPct val="0"/>
-                </a:spcBef>
-                <a:spcAft>
-                  <a:spcPct val="0"/>
-                </a:spcAft>
-                <a:buFont typeface="Arial" panose="020B0604020202020204" pitchFamily="34" charset="0"/>
-                <a:buChar char="•"/>
-              </a:pPr>
-              <a:r>
-                <a:rPr lang="en-CA" dirty="0">
+                <a:rPr lang="pt-BR" dirty="0">
                   <a:solidFill>
                     <a:srgbClr val="FF0000"/>
                   </a:solidFill>
@@ -42956,8 +42978,18 @@
                   <a:ea typeface="Segoe UI" pitchFamily="34" charset="0"/>
                   <a:cs typeface="Segoe UI" pitchFamily="34" charset="0"/>
                 </a:rPr>
-                <a:t>For all other provinces charge 15%</a:t>
+                <a:t>Para todas as outras cidades, cobram 15%</a:t>
               </a:r>
+              <a:endParaRPr lang="en-CA" dirty="0">
+                <a:solidFill>
+                  <a:srgbClr val="FF0000"/>
+                </a:solidFill>
+                <a:highlight>
+                  <a:srgbClr val="FFFF00"/>
+                </a:highlight>
+                <a:ea typeface="Segoe UI" pitchFamily="34" charset="0"/>
+                <a:cs typeface="Segoe UI" pitchFamily="34" charset="0"/>
+              </a:endParaRPr>
             </a:p>
           </p:txBody>
         </p:sp>
@@ -43311,149 +43343,16 @@
         </p:nvSpPr>
         <p:spPr/>
         <p:txBody>
-          <a:bodyPr/>
+          <a:bodyPr>
+            <a:normAutofit fontScale="90000"/>
+          </a:bodyPr>
           <a:lstStyle/>
           <a:p>
             <a:r>
-              <a:rPr lang="en-US" b="1" dirty="0"/>
-              <a:t>If multiple conditions cause the same action they can be combined into a single condition</a:t>
+              <a:rPr lang="pt-BR" b="1" dirty="0"/>
+              <a:t>Se várias condições causarem a mesma ação, elas poderão ser combinadas em uma única condição</a:t>
             </a:r>
             <a:endParaRPr lang="en-US" dirty="0"/>
-          </a:p>
-        </p:txBody>
-      </p:sp>
-      <p:sp>
-        <p:nvSpPr>
-          <p:cNvPr id="5" name="Text Placeholder 4"/>
-          <p:cNvSpPr>
-            <a:spLocks noGrp="1"/>
-          </p:cNvSpPr>
-          <p:nvPr>
-            <p:ph type="body" sz="quarter" idx="10"/>
-          </p:nvPr>
-        </p:nvSpPr>
-        <p:spPr>
-          <a:xfrm>
-            <a:off x="365760" y="1371600"/>
-            <a:ext cx="11704320" cy="5829288"/>
-          </a:xfrm>
-        </p:spPr>
-        <p:txBody>
-          <a:bodyPr/>
-          <a:lstStyle/>
-          <a:p>
-            <a:endParaRPr lang="en-CA" dirty="0"/>
-          </a:p>
-          <a:p>
-            <a:r>
-              <a:rPr lang="en-CA" dirty="0"/>
-              <a:t>if province == </a:t>
-            </a:r>
-            <a:r>
-              <a:rPr lang="en-CA" dirty="0">
-                <a:solidFill>
-                  <a:srgbClr val="C00000"/>
-                </a:solidFill>
-              </a:rPr>
-              <a:t>'Alberta' </a:t>
-            </a:r>
-            <a:r>
-              <a:rPr lang="en-CA" dirty="0"/>
-              <a:t>\</a:t>
-            </a:r>
-          </a:p>
-          <a:p>
-            <a:r>
-              <a:rPr lang="en-CA" dirty="0"/>
-              <a:t>   </a:t>
-            </a:r>
-            <a:r>
-              <a:rPr lang="en-CA" dirty="0">
-                <a:highlight>
-                  <a:srgbClr val="FFFF00"/>
-                </a:highlight>
-              </a:rPr>
-              <a:t>or</a:t>
-            </a:r>
-            <a:r>
-              <a:rPr lang="en-CA" dirty="0"/>
-              <a:t> province == </a:t>
-            </a:r>
-            <a:r>
-              <a:rPr lang="en-CA" dirty="0">
-                <a:solidFill>
-                  <a:srgbClr val="C00000"/>
-                </a:solidFill>
-              </a:rPr>
-              <a:t>'Nunavut'</a:t>
-            </a:r>
-            <a:r>
-              <a:rPr lang="en-CA" dirty="0">
-                <a:solidFill>
-                  <a:srgbClr val="002050"/>
-                </a:solidFill>
-              </a:rPr>
-              <a:t>:</a:t>
-            </a:r>
-          </a:p>
-          <a:p>
-            <a:r>
-              <a:rPr lang="en-CA" dirty="0"/>
-              <a:t>	tax = 0.05</a:t>
-            </a:r>
-          </a:p>
-          <a:p>
-            <a:r>
-              <a:rPr lang="en-CA" dirty="0" err="1"/>
-              <a:t>elif</a:t>
-            </a:r>
-            <a:r>
-              <a:rPr lang="en-CA" dirty="0"/>
-              <a:t> province == </a:t>
-            </a:r>
-            <a:r>
-              <a:rPr lang="en-CA" dirty="0">
-                <a:solidFill>
-                  <a:srgbClr val="C00000"/>
-                </a:solidFill>
-              </a:rPr>
-              <a:t>'Ontario'</a:t>
-            </a:r>
-            <a:r>
-              <a:rPr lang="en-CA" dirty="0">
-                <a:solidFill>
-                  <a:srgbClr val="002050"/>
-                </a:solidFill>
-              </a:rPr>
-              <a:t>:</a:t>
-            </a:r>
-          </a:p>
-          <a:p>
-            <a:r>
-              <a:rPr lang="en-CA" dirty="0"/>
-              <a:t>	tax = 0.13</a:t>
-            </a:r>
-          </a:p>
-          <a:p>
-            <a:r>
-              <a:rPr lang="en-CA" dirty="0"/>
-              <a:t>else:</a:t>
-            </a:r>
-          </a:p>
-          <a:p>
-            <a:r>
-              <a:rPr lang="en-CA" dirty="0"/>
-              <a:t>	tax = 0.15</a:t>
-            </a:r>
-          </a:p>
-          <a:p>
-            <a:endParaRPr lang="en-CA" dirty="0"/>
-          </a:p>
-          <a:p>
-            <a:endParaRPr lang="en-CA" dirty="0"/>
-          </a:p>
-          <a:p>
-            <a:endParaRPr lang="en-CA" dirty="0"/>
           </a:p>
         </p:txBody>
       </p:sp>
@@ -43552,14 +43451,14 @@
                 </a:spcAft>
               </a:pPr>
               <a:r>
-                <a:rPr lang="en-CA" dirty="0">
+                <a:rPr lang="pt-BR" dirty="0">
                   <a:solidFill>
                     <a:srgbClr val="FF0000"/>
                   </a:solidFill>
                   <a:ea typeface="Segoe UI" pitchFamily="34" charset="0"/>
                   <a:cs typeface="Segoe UI" pitchFamily="34" charset="0"/>
                 </a:rPr>
-                <a:t>Calculate Canadian sales tax</a:t>
+                <a:t>Calcular imposto brasileiro sobre vendas</a:t>
               </a:r>
             </a:p>
             <a:p>
@@ -43574,7 +43473,7 @@
                   <a:spcPct val="0"/>
                 </a:spcAft>
               </a:pPr>
-              <a:endParaRPr lang="en-CA" dirty="0">
+              <a:endParaRPr lang="pt-BR" dirty="0">
                 <a:solidFill>
                   <a:srgbClr val="FF0000"/>
                 </a:solidFill>
@@ -43583,7 +43482,7 @@
               </a:endParaRPr>
             </a:p>
             <a:p>
-              <a:pPr marL="342900" indent="-342900" defTabSz="932472" fontAlgn="base">
+              <a:pPr algn="ctr" defTabSz="932472" fontAlgn="base">
                 <a:lnSpc>
                   <a:spcPct val="90000"/>
                 </a:lnSpc>
@@ -43593,11 +43492,9 @@
                 <a:spcAft>
                   <a:spcPct val="0"/>
                 </a:spcAft>
-                <a:buFont typeface="Arial" panose="020B0604020202020204" pitchFamily="34" charset="0"/>
-                <a:buChar char="•"/>
               </a:pPr>
               <a:r>
-                <a:rPr lang="en-CA" dirty="0">
+                <a:rPr lang="pt-BR" dirty="0">
                   <a:solidFill>
                     <a:srgbClr val="FF0000"/>
                   </a:solidFill>
@@ -43607,11 +43504,11 @@
                   <a:ea typeface="Segoe UI" pitchFamily="34" charset="0"/>
                   <a:cs typeface="Segoe UI" pitchFamily="34" charset="0"/>
                 </a:rPr>
-                <a:t>If the province is Alberta or Nunavut charge 5%</a:t>
+                <a:t>Se a cidade é São Paulo ou Rio de Janeiro, cobra 5%</a:t>
               </a:r>
             </a:p>
             <a:p>
-              <a:pPr marL="342900" indent="-342900" defTabSz="932472" fontAlgn="base">
+              <a:pPr algn="ctr" defTabSz="932472" fontAlgn="base">
                 <a:lnSpc>
                   <a:spcPct val="90000"/>
                 </a:lnSpc>
@@ -43621,10 +43518,8 @@
                 <a:spcAft>
                   <a:spcPct val="0"/>
                 </a:spcAft>
-                <a:buFont typeface="Arial" panose="020B0604020202020204" pitchFamily="34" charset="0"/>
-                <a:buChar char="•"/>
               </a:pPr>
-              <a:endParaRPr lang="en-CA" dirty="0">
+              <a:endParaRPr lang="pt-BR" dirty="0">
                 <a:solidFill>
                   <a:srgbClr val="FF0000"/>
                 </a:solidFill>
@@ -43633,7 +43528,7 @@
               </a:endParaRPr>
             </a:p>
             <a:p>
-              <a:pPr marL="342900" indent="-342900" defTabSz="932472" fontAlgn="base">
+              <a:pPr algn="ctr" defTabSz="932472" fontAlgn="base">
                 <a:lnSpc>
                   <a:spcPct val="90000"/>
                 </a:lnSpc>
@@ -43643,22 +43538,20 @@
                 <a:spcAft>
                   <a:spcPct val="0"/>
                 </a:spcAft>
-                <a:buFont typeface="Arial" panose="020B0604020202020204" pitchFamily="34" charset="0"/>
-                <a:buChar char="•"/>
               </a:pPr>
               <a:r>
-                <a:rPr lang="en-CA" dirty="0">
+                <a:rPr lang="pt-BR" dirty="0">
                   <a:solidFill>
                     <a:srgbClr val="FF0000"/>
                   </a:solidFill>
                   <a:ea typeface="Segoe UI" pitchFamily="34" charset="0"/>
                   <a:cs typeface="Segoe UI" pitchFamily="34" charset="0"/>
                 </a:rPr>
-                <a:t>If the province is Ontario charge 13%</a:t>
+                <a:t>Se a cidade é Campinas, cobram 13%</a:t>
               </a:r>
             </a:p>
             <a:p>
-              <a:pPr marL="342900" indent="-342900" defTabSz="932472" fontAlgn="base">
+              <a:pPr algn="ctr" defTabSz="932472" fontAlgn="base">
                 <a:lnSpc>
                   <a:spcPct val="90000"/>
                 </a:lnSpc>
@@ -43668,10 +43561,8 @@
                 <a:spcAft>
                   <a:spcPct val="0"/>
                 </a:spcAft>
-                <a:buFont typeface="Arial" panose="020B0604020202020204" pitchFamily="34" charset="0"/>
-                <a:buChar char="•"/>
               </a:pPr>
-              <a:endParaRPr lang="en-CA" dirty="0">
+              <a:endParaRPr lang="pt-BR" dirty="0">
                 <a:solidFill>
                   <a:srgbClr val="FF0000"/>
                 </a:solidFill>
@@ -43680,7 +43571,7 @@
               </a:endParaRPr>
             </a:p>
             <a:p>
-              <a:pPr marL="342900" indent="-342900" defTabSz="932472" fontAlgn="base">
+              <a:pPr algn="ctr" defTabSz="932472" fontAlgn="base">
                 <a:lnSpc>
                   <a:spcPct val="90000"/>
                 </a:lnSpc>
@@ -43690,23 +43581,393 @@
                 <a:spcAft>
                   <a:spcPct val="0"/>
                 </a:spcAft>
-                <a:buFont typeface="Arial" panose="020B0604020202020204" pitchFamily="34" charset="0"/>
-                <a:buChar char="•"/>
               </a:pPr>
               <a:r>
-                <a:rPr lang="en-CA" dirty="0">
+                <a:rPr lang="pt-BR" dirty="0">
                   <a:solidFill>
                     <a:srgbClr val="FF0000"/>
                   </a:solidFill>
                   <a:ea typeface="Segoe UI" pitchFamily="34" charset="0"/>
                   <a:cs typeface="Segoe UI" pitchFamily="34" charset="0"/>
                 </a:rPr>
-                <a:t>For all other provinces charge 15%</a:t>
+                <a:t>Para todas as outras cidades, cobram 15%</a:t>
               </a:r>
+              <a:endParaRPr lang="en-CA" dirty="0">
+                <a:solidFill>
+                  <a:srgbClr val="FF0000"/>
+                </a:solidFill>
+                <a:ea typeface="Segoe UI" pitchFamily="34" charset="0"/>
+                <a:cs typeface="Segoe UI" pitchFamily="34" charset="0"/>
+              </a:endParaRPr>
             </a:p>
           </p:txBody>
         </p:sp>
       </p:grpSp>
+      <p:sp>
+        <p:nvSpPr>
+          <p:cNvPr id="13" name="Text Placeholder 4">
+            <a:extLst>
+              <a:ext uri="{FF2B5EF4-FFF2-40B4-BE49-F238E27FC236}">
+                <a16:creationId xmlns:a16="http://schemas.microsoft.com/office/drawing/2014/main" id="{3672C9AF-B48A-47E7-89A6-D8A801B110FD}"/>
+              </a:ext>
+            </a:extLst>
+          </p:cNvPr>
+          <p:cNvSpPr txBox="1">
+            <a:spLocks/>
+          </p:cNvSpPr>
+          <p:nvPr/>
+        </p:nvSpPr>
+        <p:spPr>
+          <a:xfrm>
+            <a:off x="365760" y="1371600"/>
+            <a:ext cx="11704320" cy="5829288"/>
+          </a:xfrm>
+          <a:prstGeom prst="rect">
+            <a:avLst/>
+          </a:prstGeom>
+        </p:spPr>
+        <p:txBody>
+          <a:bodyPr vert="horz" wrap="square" lIns="91440" tIns="91440" rIns="91440" bIns="91440" rtlCol="0">
+            <a:spAutoFit/>
+          </a:bodyPr>
+          <a:lstStyle>
+            <a:lvl1pPr marL="0" marR="0" indent="0" algn="l" defTabSz="932742" rtl="0" eaLnBrk="1" fontAlgn="auto" latinLnBrk="0" hangingPunct="1">
+              <a:lnSpc>
+                <a:spcPct val="90000"/>
+              </a:lnSpc>
+              <a:spcBef>
+                <a:spcPts val="600"/>
+              </a:spcBef>
+              <a:spcAft>
+                <a:spcPts val="0"/>
+              </a:spcAft>
+              <a:buClrTx/>
+              <a:buSzPct val="90000"/>
+              <a:buFont typeface="Arial" pitchFamily="34" charset="0"/>
+              <a:buNone/>
+              <a:tabLst/>
+              <a:defRPr sz="3200" kern="1200" spc="0" baseline="0">
+                <a:gradFill>
+                  <a:gsLst>
+                    <a:gs pos="1250">
+                      <a:srgbClr val="000000"/>
+                    </a:gs>
+                    <a:gs pos="100000">
+                      <a:srgbClr val="000000"/>
+                    </a:gs>
+                  </a:gsLst>
+                  <a:lin ang="5400000" scaled="0"/>
+                </a:gradFill>
+                <a:latin typeface="Consolas" panose="020B0609020204030204" pitchFamily="49" charset="0"/>
+                <a:ea typeface="+mn-ea"/>
+                <a:cs typeface="Consolas" panose="020B0609020204030204" pitchFamily="49" charset="0"/>
+              </a:defRPr>
+            </a:lvl1pPr>
+            <a:lvl2pPr marL="228600" marR="0" indent="0" algn="l" defTabSz="932742" rtl="0" eaLnBrk="1" fontAlgn="auto" latinLnBrk="0" hangingPunct="1">
+              <a:lnSpc>
+                <a:spcPct val="90000"/>
+              </a:lnSpc>
+              <a:spcBef>
+                <a:spcPts val="600"/>
+              </a:spcBef>
+              <a:spcAft>
+                <a:spcPts val="0"/>
+              </a:spcAft>
+              <a:buClrTx/>
+              <a:buSzPct val="90000"/>
+              <a:buFont typeface="Arial" pitchFamily="34" charset="0"/>
+              <a:buNone/>
+              <a:tabLst/>
+              <a:defRPr sz="2000" kern="1200" spc="0" baseline="0">
+                <a:gradFill>
+                  <a:gsLst>
+                    <a:gs pos="1250">
+                      <a:srgbClr val="000000"/>
+                    </a:gs>
+                    <a:gs pos="100000">
+                      <a:srgbClr val="000000"/>
+                    </a:gs>
+                  </a:gsLst>
+                  <a:lin ang="5400000" scaled="0"/>
+                </a:gradFill>
+                <a:latin typeface="Consolas" panose="020B0609020204030204" pitchFamily="49" charset="0"/>
+                <a:ea typeface="+mn-ea"/>
+                <a:cs typeface="Consolas" panose="020B0609020204030204" pitchFamily="49" charset="0"/>
+              </a:defRPr>
+            </a:lvl2pPr>
+            <a:lvl3pPr marL="457200" marR="0" indent="0" algn="l" defTabSz="932742" rtl="0" eaLnBrk="1" fontAlgn="auto" latinLnBrk="0" hangingPunct="1">
+              <a:lnSpc>
+                <a:spcPct val="90000"/>
+              </a:lnSpc>
+              <a:spcBef>
+                <a:spcPts val="600"/>
+              </a:spcBef>
+              <a:spcAft>
+                <a:spcPts val="0"/>
+              </a:spcAft>
+              <a:buClrTx/>
+              <a:buSzPct val="90000"/>
+              <a:buFont typeface="Arial" pitchFamily="34" charset="0"/>
+              <a:buNone/>
+              <a:tabLst/>
+              <a:defRPr sz="2000" kern="1200" spc="0" baseline="0">
+                <a:gradFill>
+                  <a:gsLst>
+                    <a:gs pos="1250">
+                      <a:srgbClr val="000000"/>
+                    </a:gs>
+                    <a:gs pos="100000">
+                      <a:srgbClr val="000000"/>
+                    </a:gs>
+                  </a:gsLst>
+                  <a:lin ang="5400000" scaled="0"/>
+                </a:gradFill>
+                <a:latin typeface="Consolas" panose="020B0609020204030204" pitchFamily="49" charset="0"/>
+                <a:ea typeface="+mn-ea"/>
+                <a:cs typeface="Consolas" panose="020B0609020204030204" pitchFamily="49" charset="0"/>
+              </a:defRPr>
+            </a:lvl3pPr>
+            <a:lvl4pPr marL="685800" marR="0" indent="0" algn="l" defTabSz="932742" rtl="0" eaLnBrk="1" fontAlgn="auto" latinLnBrk="0" hangingPunct="1">
+              <a:lnSpc>
+                <a:spcPct val="90000"/>
+              </a:lnSpc>
+              <a:spcBef>
+                <a:spcPts val="600"/>
+              </a:spcBef>
+              <a:spcAft>
+                <a:spcPts val="0"/>
+              </a:spcAft>
+              <a:buClrTx/>
+              <a:buSzPct val="90000"/>
+              <a:buFont typeface="Arial" pitchFamily="34" charset="0"/>
+              <a:buNone/>
+              <a:tabLst/>
+              <a:defRPr sz="2000" kern="1200" spc="0" baseline="0">
+                <a:gradFill>
+                  <a:gsLst>
+                    <a:gs pos="1250">
+                      <a:srgbClr val="000000"/>
+                    </a:gs>
+                    <a:gs pos="100000">
+                      <a:srgbClr val="000000"/>
+                    </a:gs>
+                  </a:gsLst>
+                  <a:lin ang="5400000" scaled="0"/>
+                </a:gradFill>
+                <a:latin typeface="Consolas" panose="020B0609020204030204" pitchFamily="49" charset="0"/>
+                <a:ea typeface="+mn-ea"/>
+                <a:cs typeface="Consolas" panose="020B0609020204030204" pitchFamily="49" charset="0"/>
+              </a:defRPr>
+            </a:lvl4pPr>
+            <a:lvl5pPr marL="914400" marR="0" indent="0" algn="l" defTabSz="932742" rtl="0" eaLnBrk="1" fontAlgn="auto" latinLnBrk="0" hangingPunct="1">
+              <a:lnSpc>
+                <a:spcPct val="90000"/>
+              </a:lnSpc>
+              <a:spcBef>
+                <a:spcPts val="600"/>
+              </a:spcBef>
+              <a:spcAft>
+                <a:spcPts val="0"/>
+              </a:spcAft>
+              <a:buClrTx/>
+              <a:buSzPct val="90000"/>
+              <a:buFont typeface="Arial" pitchFamily="34" charset="0"/>
+              <a:buNone/>
+              <a:tabLst/>
+              <a:defRPr sz="2000" kern="1200" spc="0" baseline="0">
+                <a:gradFill>
+                  <a:gsLst>
+                    <a:gs pos="1250">
+                      <a:srgbClr val="000000"/>
+                    </a:gs>
+                    <a:gs pos="100000">
+                      <a:srgbClr val="000000"/>
+                    </a:gs>
+                  </a:gsLst>
+                  <a:lin ang="5400000" scaled="0"/>
+                </a:gradFill>
+                <a:latin typeface="Consolas" panose="020B0609020204030204" pitchFamily="49" charset="0"/>
+                <a:ea typeface="+mn-ea"/>
+                <a:cs typeface="Consolas" panose="020B0609020204030204" pitchFamily="49" charset="0"/>
+              </a:defRPr>
+            </a:lvl5pPr>
+            <a:lvl6pPr marL="2565040" indent="-233186" algn="l" defTabSz="932742" rtl="0" eaLnBrk="1" latinLnBrk="0" hangingPunct="1">
+              <a:spcBef>
+                <a:spcPct val="20000"/>
+              </a:spcBef>
+              <a:buFont typeface="Arial" pitchFamily="34" charset="0"/>
+              <a:buChar char="•"/>
+              <a:defRPr sz="2000" kern="1200">
+                <a:solidFill>
+                  <a:schemeClr val="tx1"/>
+                </a:solidFill>
+                <a:latin typeface="+mn-lt"/>
+                <a:ea typeface="+mn-ea"/>
+                <a:cs typeface="+mn-cs"/>
+              </a:defRPr>
+            </a:lvl6pPr>
+            <a:lvl7pPr marL="3031412" indent="-233186" algn="l" defTabSz="932742" rtl="0" eaLnBrk="1" latinLnBrk="0" hangingPunct="1">
+              <a:spcBef>
+                <a:spcPct val="20000"/>
+              </a:spcBef>
+              <a:buFont typeface="Arial" pitchFamily="34" charset="0"/>
+              <a:buChar char="•"/>
+              <a:defRPr sz="2000" kern="1200">
+                <a:solidFill>
+                  <a:schemeClr val="tx1"/>
+                </a:solidFill>
+                <a:latin typeface="+mn-lt"/>
+                <a:ea typeface="+mn-ea"/>
+                <a:cs typeface="+mn-cs"/>
+              </a:defRPr>
+            </a:lvl7pPr>
+            <a:lvl8pPr marL="3497783" indent="-233186" algn="l" defTabSz="932742" rtl="0" eaLnBrk="1" latinLnBrk="0" hangingPunct="1">
+              <a:spcBef>
+                <a:spcPct val="20000"/>
+              </a:spcBef>
+              <a:buFont typeface="Arial" pitchFamily="34" charset="0"/>
+              <a:buChar char="•"/>
+              <a:defRPr sz="2000" kern="1200">
+                <a:solidFill>
+                  <a:schemeClr val="tx1"/>
+                </a:solidFill>
+                <a:latin typeface="+mn-lt"/>
+                <a:ea typeface="+mn-ea"/>
+                <a:cs typeface="+mn-cs"/>
+              </a:defRPr>
+            </a:lvl8pPr>
+            <a:lvl9pPr marL="3964155" indent="-233186" algn="l" defTabSz="932742" rtl="0" eaLnBrk="1" latinLnBrk="0" hangingPunct="1">
+              <a:spcBef>
+                <a:spcPct val="20000"/>
+              </a:spcBef>
+              <a:buFont typeface="Arial" pitchFamily="34" charset="0"/>
+              <a:buChar char="•"/>
+              <a:defRPr sz="2000" kern="1200">
+                <a:solidFill>
+                  <a:schemeClr val="tx1"/>
+                </a:solidFill>
+                <a:latin typeface="+mn-lt"/>
+                <a:ea typeface="+mn-ea"/>
+                <a:cs typeface="+mn-cs"/>
+              </a:defRPr>
+            </a:lvl9pPr>
+          </a:lstStyle>
+          <a:p>
+            <a:endParaRPr lang="en-CA" dirty="0"/>
+          </a:p>
+          <a:p>
+            <a:r>
+              <a:rPr lang="en-CA" dirty="0"/>
+              <a:t>if province == </a:t>
+            </a:r>
+            <a:r>
+              <a:rPr lang="en-CA" dirty="0">
+                <a:solidFill>
+                  <a:srgbClr val="C00000"/>
+                </a:solidFill>
+              </a:rPr>
+              <a:t>'São Paulo' </a:t>
+            </a:r>
+            <a:r>
+              <a:rPr lang="en-CA" dirty="0"/>
+              <a:t>\</a:t>
+            </a:r>
+          </a:p>
+          <a:p>
+            <a:r>
+              <a:rPr lang="en-CA" dirty="0"/>
+              <a:t>   </a:t>
+            </a:r>
+            <a:r>
+              <a:rPr lang="en-CA" dirty="0">
+                <a:highlight>
+                  <a:srgbClr val="FFFF00"/>
+                </a:highlight>
+              </a:rPr>
+              <a:t>or</a:t>
+            </a:r>
+            <a:r>
+              <a:rPr lang="en-CA" dirty="0"/>
+              <a:t> province == </a:t>
+            </a:r>
+            <a:r>
+              <a:rPr lang="en-CA" dirty="0">
+                <a:solidFill>
+                  <a:srgbClr val="C00000"/>
+                </a:solidFill>
+              </a:rPr>
+              <a:t>'Rio de Janeiro'</a:t>
+            </a:r>
+            <a:r>
+              <a:rPr lang="en-CA" dirty="0">
+                <a:solidFill>
+                  <a:srgbClr val="002050"/>
+                </a:solidFill>
+              </a:rPr>
+              <a:t>:</a:t>
+            </a:r>
+          </a:p>
+          <a:p>
+            <a:r>
+              <a:rPr lang="en-CA" dirty="0"/>
+              <a:t>	tax = 0.05</a:t>
+            </a:r>
+          </a:p>
+          <a:p>
+            <a:r>
+              <a:rPr lang="en-CA" dirty="0" err="1"/>
+              <a:t>elif</a:t>
+            </a:r>
+            <a:r>
+              <a:rPr lang="en-CA" dirty="0"/>
+              <a:t> province == </a:t>
+            </a:r>
+            <a:r>
+              <a:rPr lang="en-CA" dirty="0">
+                <a:solidFill>
+                  <a:srgbClr val="C00000"/>
+                </a:solidFill>
+              </a:rPr>
+              <a:t>'Campinas'</a:t>
+            </a:r>
+            <a:r>
+              <a:rPr lang="en-CA" dirty="0">
+                <a:solidFill>
+                  <a:srgbClr val="002050"/>
+                </a:solidFill>
+              </a:rPr>
+              <a:t>:</a:t>
+            </a:r>
+          </a:p>
+          <a:p>
+            <a:r>
+              <a:rPr lang="en-CA" dirty="0"/>
+              <a:t>	tax = 0.13</a:t>
+            </a:r>
+          </a:p>
+          <a:p>
+            <a:r>
+              <a:rPr lang="en-CA" dirty="0"/>
+              <a:t>else:</a:t>
+            </a:r>
+          </a:p>
+          <a:p>
+            <a:r>
+              <a:rPr lang="en-CA" dirty="0"/>
+              <a:t>	tax = 0.15</a:t>
+            </a:r>
+          </a:p>
+          <a:p>
+            <a:endParaRPr lang="en-CA" dirty="0"/>
+          </a:p>
+          <a:p>
+            <a:endParaRPr lang="en-CA" dirty="0"/>
+          </a:p>
+          <a:p>
+            <a:endParaRPr lang="en-CA" dirty="0"/>
+          </a:p>
+        </p:txBody>
+      </p:sp>
     </p:spTree>
     <p:extLst>
       <p:ext uri="{BB962C8B-B14F-4D97-AF65-F5344CB8AC3E}">
@@ -43759,7 +44020,7 @@
                                           </p:stCondLst>
                                         </p:cTn>
                                         <p:tgtEl>
-                                          <p:spTgt spid="5">
+                                          <p:spTgt spid="13">
                                             <p:txEl>
                                               <p:pRg st="1" end="1"/>
                                             </p:txEl>
@@ -43790,7 +44051,7 @@
                                           </p:stCondLst>
                                         </p:cTn>
                                         <p:tgtEl>
-                                          <p:spTgt spid="5">
+                                          <p:spTgt spid="13">
                                             <p:txEl>
                                               <p:pRg st="2" end="2"/>
                                             </p:txEl>
@@ -43821,7 +44082,7 @@
                                           </p:stCondLst>
                                         </p:cTn>
                                         <p:tgtEl>
-                                          <p:spTgt spid="5">
+                                          <p:spTgt spid="13">
                                             <p:txEl>
                                               <p:pRg st="3" end="3"/>
                                             </p:txEl>
@@ -43852,7 +44113,7 @@
                                           </p:stCondLst>
                                         </p:cTn>
                                         <p:tgtEl>
-                                          <p:spTgt spid="5">
+                                          <p:spTgt spid="13">
                                             <p:txEl>
                                               <p:pRg st="4" end="4"/>
                                             </p:txEl>
@@ -43883,7 +44144,7 @@
                                           </p:stCondLst>
                                         </p:cTn>
                                         <p:tgtEl>
-                                          <p:spTgt spid="5">
+                                          <p:spTgt spid="13">
                                             <p:txEl>
                                               <p:pRg st="5" end="5"/>
                                             </p:txEl>
@@ -43914,7 +44175,7 @@
                                           </p:stCondLst>
                                         </p:cTn>
                                         <p:tgtEl>
-                                          <p:spTgt spid="5">
+                                          <p:spTgt spid="13">
                                             <p:txEl>
                                               <p:pRg st="6" end="6"/>
                                             </p:txEl>
@@ -43945,7 +44206,7 @@
                                           </p:stCondLst>
                                         </p:cTn>
                                         <p:tgtEl>
-                                          <p:spTgt spid="5">
+                                          <p:spTgt spid="13">
                                             <p:txEl>
                                               <p:pRg st="7" end="7"/>
                                             </p:txEl>
@@ -43990,7 +44251,7 @@
       </p:par>
     </p:tnLst>
     <p:bldLst>
-      <p:bldP spid="5" grpId="0" uiExpand="1" build="p"/>
+      <p:bldP spid="13" grpId="0" uiExpand="1" build="p"/>
     </p:bldLst>
   </p:timing>
 </p:sld>
@@ -44029,8 +44290,8 @@
           <a:lstStyle/>
           <a:p>
             <a:r>
-              <a:rPr lang="en-US" b="1" dirty="0"/>
-              <a:t>How OR statements are processed</a:t>
+              <a:rPr lang="pt-BR" b="1" dirty="0"/>
+              <a:t>Como as instruções OR são processadas</a:t>
             </a:r>
             <a:endParaRPr lang="en-US" dirty="0"/>
           </a:p>
@@ -44051,7 +44312,7 @@
           <p:nvPr>
             <p:extLst>
               <p:ext uri="{D42A27DB-BD31-4B8C-83A1-F6EECF244321}">
-                <p14:modId xmlns:p14="http://schemas.microsoft.com/office/powerpoint/2010/main" val="558135271"/>
+                <p14:modId xmlns:p14="http://schemas.microsoft.com/office/powerpoint/2010/main" val="3476217970"/>
               </p:ext>
             </p:extLst>
           </p:nvPr>
@@ -44096,9 +44357,18 @@
                     <a:lstStyle/>
                     <a:p>
                       <a:r>
+                        <a:rPr lang="en-CA" dirty="0" err="1"/>
+                        <a:t>Primeira</a:t>
+                      </a:r>
+                      <a:r>
                         <a:rPr lang="en-CA" dirty="0"/>
-                        <a:t>First Condition</a:t>
+                        <a:t> </a:t>
                       </a:r>
+                      <a:r>
+                        <a:rPr lang="en-CA" dirty="0" err="1"/>
+                        <a:t>Condição</a:t>
+                      </a:r>
+                      <a:endParaRPr lang="en-CA" dirty="0"/>
                     </a:p>
                   </a:txBody>
                   <a:tcPr/>
@@ -44110,8 +44380,13 @@
                     <a:p>
                       <a:r>
                         <a:rPr lang="en-CA" dirty="0"/>
-                        <a:t>Second Condition</a:t>
+                        <a:t>Segunda </a:t>
                       </a:r>
+                      <a:r>
+                        <a:rPr lang="en-CA" dirty="0" err="1"/>
+                        <a:t>Condição</a:t>
+                      </a:r>
+                      <a:endParaRPr lang="en-CA" dirty="0"/>
                     </a:p>
                   </a:txBody>
                   <a:tcPr/>
@@ -44122,9 +44397,10 @@
                     <a:lstStyle/>
                     <a:p>
                       <a:r>
-                        <a:rPr lang="en-CA" dirty="0"/>
-                        <a:t>Condition evaluates as </a:t>
+                        <a:rPr lang="pt-BR" dirty="0"/>
+                        <a:t>A condição é avaliada como</a:t>
                       </a:r>
+                      <a:endParaRPr lang="en-CA" dirty="0"/>
                     </a:p>
                   </a:txBody>
                   <a:tcPr/>
@@ -44373,233 +44649,16 @@
         </p:nvSpPr>
         <p:spPr/>
         <p:txBody>
-          <a:bodyPr/>
+          <a:bodyPr>
+            <a:normAutofit fontScale="90000"/>
+          </a:bodyPr>
           <a:lstStyle/>
           <a:p>
             <a:r>
-              <a:rPr lang="en-US" b="1" dirty="0"/>
-              <a:t>If you have a list of possible values to check , you can use the IN operator </a:t>
+              <a:rPr lang="pt-BR" b="1" dirty="0"/>
+              <a:t>Se você tiver uma lista de possíveis valores a serem verificados, poderá usar o operador IN</a:t>
             </a:r>
             <a:endParaRPr lang="en-US" dirty="0"/>
-          </a:p>
-        </p:txBody>
-      </p:sp>
-      <p:sp>
-        <p:nvSpPr>
-          <p:cNvPr id="5" name="Text Placeholder 4"/>
-          <p:cNvSpPr>
-            <a:spLocks noGrp="1"/>
-          </p:cNvSpPr>
-          <p:nvPr>
-            <p:ph type="body" sz="quarter" idx="10"/>
-          </p:nvPr>
-        </p:nvSpPr>
-        <p:spPr>
-          <a:xfrm>
-            <a:off x="365760" y="1921916"/>
-            <a:ext cx="11704320" cy="5309146"/>
-          </a:xfrm>
-        </p:spPr>
-        <p:txBody>
-          <a:bodyPr/>
-          <a:lstStyle/>
-          <a:p>
-            <a:r>
-              <a:rPr lang="en-US" dirty="0"/>
-              <a:t>if province </a:t>
-            </a:r>
-            <a:r>
-              <a:rPr lang="en-US" dirty="0">
-                <a:highlight>
-                  <a:srgbClr val="FFFF00"/>
-                </a:highlight>
-              </a:rPr>
-              <a:t>in(</a:t>
-            </a:r>
-            <a:r>
-              <a:rPr lang="en-US" dirty="0">
-                <a:solidFill>
-                  <a:srgbClr val="C00000"/>
-                </a:solidFill>
-                <a:highlight>
-                  <a:srgbClr val="FFFF00"/>
-                </a:highlight>
-              </a:rPr>
-              <a:t>'Alberta'</a:t>
-            </a:r>
-            <a:r>
-              <a:rPr lang="en-US" dirty="0">
-                <a:solidFill>
-                  <a:srgbClr val="002050"/>
-                </a:solidFill>
-                <a:highlight>
-                  <a:srgbClr val="FFFF00"/>
-                </a:highlight>
-              </a:rPr>
-              <a:t>,</a:t>
-            </a:r>
-            <a:r>
-              <a:rPr lang="en-US" dirty="0">
-                <a:solidFill>
-                  <a:srgbClr val="C00000"/>
-                </a:solidFill>
-                <a:highlight>
-                  <a:srgbClr val="FFFF00"/>
-                </a:highlight>
-              </a:rPr>
-              <a:t> </a:t>
-            </a:r>
-            <a:r>
-              <a:rPr lang="en-US" dirty="0">
-                <a:highlight>
-                  <a:srgbClr val="FFFF00"/>
-                </a:highlight>
-              </a:rPr>
-              <a:t>\ </a:t>
-            </a:r>
-          </a:p>
-          <a:p>
-            <a:r>
-              <a:rPr lang="en-US" dirty="0">
-                <a:highlight>
-                  <a:srgbClr val="FFFF00"/>
-                </a:highlight>
-              </a:rPr>
-              <a:t>               </a:t>
-            </a:r>
-            <a:r>
-              <a:rPr lang="en-US" dirty="0">
-                <a:solidFill>
-                  <a:srgbClr val="C00000"/>
-                </a:solidFill>
-                <a:highlight>
-                  <a:srgbClr val="FFFF00"/>
-                </a:highlight>
-              </a:rPr>
-              <a:t>'</a:t>
-            </a:r>
-            <a:r>
-              <a:rPr lang="en-US" dirty="0" err="1">
-                <a:solidFill>
-                  <a:srgbClr val="C00000"/>
-                </a:solidFill>
-                <a:highlight>
-                  <a:srgbClr val="FFFF00"/>
-                </a:highlight>
-              </a:rPr>
-              <a:t>Nunavut'</a:t>
-            </a:r>
-            <a:r>
-              <a:rPr lang="en-US" dirty="0" err="1">
-                <a:solidFill>
-                  <a:srgbClr val="002050"/>
-                </a:solidFill>
-                <a:highlight>
-                  <a:srgbClr val="FFFF00"/>
-                </a:highlight>
-              </a:rPr>
-              <a:t>,</a:t>
-            </a:r>
-            <a:r>
-              <a:rPr lang="en-US" dirty="0" err="1">
-                <a:solidFill>
-                  <a:srgbClr val="C00000"/>
-                </a:solidFill>
-                <a:highlight>
-                  <a:srgbClr val="FFFF00"/>
-                </a:highlight>
-              </a:rPr>
-              <a:t>'Yukon</a:t>
-            </a:r>
-            <a:r>
-              <a:rPr lang="en-US" dirty="0">
-                <a:solidFill>
-                  <a:srgbClr val="C00000"/>
-                </a:solidFill>
-                <a:highlight>
-                  <a:srgbClr val="FFFF00"/>
-                </a:highlight>
-              </a:rPr>
-              <a:t>'</a:t>
-            </a:r>
-            <a:r>
-              <a:rPr lang="en-US" dirty="0">
-                <a:solidFill>
-                  <a:srgbClr val="002050"/>
-                </a:solidFill>
-                <a:highlight>
-                  <a:srgbClr val="FFFF00"/>
-                </a:highlight>
-              </a:rPr>
-              <a:t>)</a:t>
-            </a:r>
-            <a:r>
-              <a:rPr lang="en-US" dirty="0">
-                <a:solidFill>
-                  <a:srgbClr val="002050"/>
-                </a:solidFill>
-              </a:rPr>
-              <a:t>:</a:t>
-            </a:r>
-          </a:p>
-          <a:p>
-            <a:r>
-              <a:rPr lang="en-CA" dirty="0"/>
-              <a:t>	tax = 0.05</a:t>
-            </a:r>
-          </a:p>
-          <a:p>
-            <a:r>
-              <a:rPr lang="en-CA" dirty="0" err="1"/>
-              <a:t>elif</a:t>
-            </a:r>
-            <a:r>
-              <a:rPr lang="en-CA" dirty="0"/>
-              <a:t> province == </a:t>
-            </a:r>
-            <a:r>
-              <a:rPr lang="en-CA" dirty="0">
-                <a:solidFill>
-                  <a:srgbClr val="C00000"/>
-                </a:solidFill>
-              </a:rPr>
-              <a:t>'Ontario'</a:t>
-            </a:r>
-            <a:r>
-              <a:rPr lang="en-CA" dirty="0">
-                <a:solidFill>
-                  <a:srgbClr val="002050"/>
-                </a:solidFill>
-              </a:rPr>
-              <a:t>:</a:t>
-            </a:r>
-          </a:p>
-          <a:p>
-            <a:r>
-              <a:rPr lang="en-CA" dirty="0"/>
-              <a:t>	tax = 0.13</a:t>
-            </a:r>
-          </a:p>
-          <a:p>
-            <a:r>
-              <a:rPr lang="en-CA" dirty="0"/>
-              <a:t>else:</a:t>
-            </a:r>
-          </a:p>
-          <a:p>
-            <a:r>
-              <a:rPr lang="en-CA" dirty="0"/>
-              <a:t>	tax = 0.15</a:t>
-            </a:r>
-          </a:p>
-          <a:p>
-            <a:endParaRPr lang="en-CA" dirty="0"/>
-          </a:p>
-          <a:p>
-            <a:endParaRPr lang="en-CA" dirty="0"/>
-          </a:p>
-          <a:p>
-            <a:endParaRPr lang="en-CA" dirty="0"/>
           </a:p>
         </p:txBody>
       </p:sp>
@@ -44698,14 +44757,14 @@
                 </a:spcAft>
               </a:pPr>
               <a:r>
-                <a:rPr lang="en-CA" dirty="0">
+                <a:rPr lang="pt-BR" dirty="0">
                   <a:solidFill>
                     <a:srgbClr val="FF0000"/>
                   </a:solidFill>
                   <a:ea typeface="Segoe UI" pitchFamily="34" charset="0"/>
                   <a:cs typeface="Segoe UI" pitchFamily="34" charset="0"/>
                 </a:rPr>
-                <a:t>Calculate Canadian sales tax</a:t>
+                <a:t>Calcular imposto brasileiro sobre vendas</a:t>
               </a:r>
             </a:p>
             <a:p>
@@ -44720,7 +44779,7 @@
                   <a:spcPct val="0"/>
                 </a:spcAft>
               </a:pPr>
-              <a:endParaRPr lang="en-CA" dirty="0">
+              <a:endParaRPr lang="pt-BR" dirty="0">
                 <a:solidFill>
                   <a:srgbClr val="FF0000"/>
                 </a:solidFill>
@@ -44729,7 +44788,7 @@
               </a:endParaRPr>
             </a:p>
             <a:p>
-              <a:pPr marL="342900" indent="-342900" defTabSz="932472" fontAlgn="base">
+              <a:pPr algn="ctr" defTabSz="932472" fontAlgn="base">
                 <a:lnSpc>
                   <a:spcPct val="90000"/>
                 </a:lnSpc>
@@ -44739,11 +44798,9 @@
                 <a:spcAft>
                   <a:spcPct val="0"/>
                 </a:spcAft>
-                <a:buFont typeface="Arial" panose="020B0604020202020204" pitchFamily="34" charset="0"/>
-                <a:buChar char="•"/>
               </a:pPr>
               <a:r>
-                <a:rPr lang="en-CA" dirty="0">
+                <a:rPr lang="pt-BR" dirty="0">
                   <a:solidFill>
                     <a:srgbClr val="FF0000"/>
                   </a:solidFill>
@@ -44753,11 +44810,11 @@
                   <a:ea typeface="Segoe UI" pitchFamily="34" charset="0"/>
                   <a:cs typeface="Segoe UI" pitchFamily="34" charset="0"/>
                 </a:rPr>
-                <a:t>If the province is Alberta, Nunavut, or Yukon charge 5%</a:t>
+                <a:t>Se a cidade é São Paulo, Rio de Janeiro ou Ijuí cobra 5%</a:t>
               </a:r>
             </a:p>
             <a:p>
-              <a:pPr marL="342900" indent="-342900" defTabSz="932472" fontAlgn="base">
+              <a:pPr algn="ctr" defTabSz="932472" fontAlgn="base">
                 <a:lnSpc>
                   <a:spcPct val="90000"/>
                 </a:lnSpc>
@@ -44767,10 +44824,8 @@
                 <a:spcAft>
                   <a:spcPct val="0"/>
                 </a:spcAft>
-                <a:buFont typeface="Arial" panose="020B0604020202020204" pitchFamily="34" charset="0"/>
-                <a:buChar char="•"/>
               </a:pPr>
-              <a:endParaRPr lang="en-CA" dirty="0">
+              <a:endParaRPr lang="pt-BR" dirty="0">
                 <a:solidFill>
                   <a:srgbClr val="FF0000"/>
                 </a:solidFill>
@@ -44779,7 +44834,7 @@
               </a:endParaRPr>
             </a:p>
             <a:p>
-              <a:pPr marL="342900" indent="-342900" defTabSz="932472" fontAlgn="base">
+              <a:pPr algn="ctr" defTabSz="932472" fontAlgn="base">
                 <a:lnSpc>
                   <a:spcPct val="90000"/>
                 </a:lnSpc>
@@ -44789,22 +44844,20 @@
                 <a:spcAft>
                   <a:spcPct val="0"/>
                 </a:spcAft>
-                <a:buFont typeface="Arial" panose="020B0604020202020204" pitchFamily="34" charset="0"/>
-                <a:buChar char="•"/>
               </a:pPr>
               <a:r>
-                <a:rPr lang="en-CA" dirty="0">
+                <a:rPr lang="pt-BR" dirty="0">
                   <a:solidFill>
                     <a:srgbClr val="FF0000"/>
                   </a:solidFill>
                   <a:ea typeface="Segoe UI" pitchFamily="34" charset="0"/>
                   <a:cs typeface="Segoe UI" pitchFamily="34" charset="0"/>
                 </a:rPr>
-                <a:t>If the province is Ontario charge 13%</a:t>
+                <a:t>Se a cidade é Campinas, cobram 13%</a:t>
               </a:r>
             </a:p>
             <a:p>
-              <a:pPr marL="342900" indent="-342900" defTabSz="932472" fontAlgn="base">
+              <a:pPr algn="ctr" defTabSz="932472" fontAlgn="base">
                 <a:lnSpc>
                   <a:spcPct val="90000"/>
                 </a:lnSpc>
@@ -44814,10 +44867,8 @@
                 <a:spcAft>
                   <a:spcPct val="0"/>
                 </a:spcAft>
-                <a:buFont typeface="Arial" panose="020B0604020202020204" pitchFamily="34" charset="0"/>
-                <a:buChar char="•"/>
               </a:pPr>
-              <a:endParaRPr lang="en-CA" dirty="0">
+              <a:endParaRPr lang="pt-BR" dirty="0">
                 <a:solidFill>
                   <a:srgbClr val="FF0000"/>
                 </a:solidFill>
@@ -44826,7 +44877,7 @@
               </a:endParaRPr>
             </a:p>
             <a:p>
-              <a:pPr marL="342900" indent="-342900" defTabSz="932472" fontAlgn="base">
+              <a:pPr algn="ctr" defTabSz="932472" fontAlgn="base">
                 <a:lnSpc>
                   <a:spcPct val="90000"/>
                 </a:lnSpc>
@@ -44836,23 +44887,253 @@
                 <a:spcAft>
                   <a:spcPct val="0"/>
                 </a:spcAft>
-                <a:buFont typeface="Arial" panose="020B0604020202020204" pitchFamily="34" charset="0"/>
-                <a:buChar char="•"/>
               </a:pPr>
               <a:r>
-                <a:rPr lang="en-CA" dirty="0">
+                <a:rPr lang="pt-BR" dirty="0">
                   <a:solidFill>
                     <a:srgbClr val="FF0000"/>
                   </a:solidFill>
                   <a:ea typeface="Segoe UI" pitchFamily="34" charset="0"/>
                   <a:cs typeface="Segoe UI" pitchFamily="34" charset="0"/>
                 </a:rPr>
-                <a:t>For all other provinces charge 15%</a:t>
+                <a:t>Para todas as outras cidades, cobram 15%</a:t>
               </a:r>
+              <a:endParaRPr lang="en-CA" dirty="0">
+                <a:solidFill>
+                  <a:srgbClr val="FF0000"/>
+                </a:solidFill>
+                <a:ea typeface="Segoe UI" pitchFamily="34" charset="0"/>
+                <a:cs typeface="Segoe UI" pitchFamily="34" charset="0"/>
+              </a:endParaRPr>
             </a:p>
           </p:txBody>
         </p:sp>
       </p:grpSp>
+      <p:sp>
+        <p:nvSpPr>
+          <p:cNvPr id="9" name="Text Placeholder 4">
+            <a:extLst>
+              <a:ext uri="{FF2B5EF4-FFF2-40B4-BE49-F238E27FC236}">
+                <a16:creationId xmlns:a16="http://schemas.microsoft.com/office/drawing/2014/main" id="{23D4FABC-34EF-4169-9979-7BF4332CE712}"/>
+              </a:ext>
+            </a:extLst>
+          </p:cNvPr>
+          <p:cNvSpPr>
+            <a:spLocks noGrp="1"/>
+          </p:cNvSpPr>
+          <p:nvPr>
+            <p:ph type="body" sz="quarter" idx="10"/>
+          </p:nvPr>
+        </p:nvSpPr>
+        <p:spPr>
+          <a:xfrm>
+            <a:off x="365760" y="1921916"/>
+            <a:ext cx="11704320" cy="5309146"/>
+          </a:xfrm>
+        </p:spPr>
+        <p:txBody>
+          <a:bodyPr/>
+          <a:lstStyle/>
+          <a:p>
+            <a:r>
+              <a:rPr lang="en-US" dirty="0"/>
+              <a:t>if province </a:t>
+            </a:r>
+            <a:r>
+              <a:rPr lang="en-US" dirty="0">
+                <a:highlight>
+                  <a:srgbClr val="FFFF00"/>
+                </a:highlight>
+              </a:rPr>
+              <a:t>in(</a:t>
+            </a:r>
+            <a:r>
+              <a:rPr lang="en-US" dirty="0">
+                <a:solidFill>
+                  <a:srgbClr val="C00000"/>
+                </a:solidFill>
+                <a:highlight>
+                  <a:srgbClr val="FFFF00"/>
+                </a:highlight>
+              </a:rPr>
+              <a:t>'São Paulo'</a:t>
+            </a:r>
+            <a:r>
+              <a:rPr lang="en-US" dirty="0">
+                <a:solidFill>
+                  <a:srgbClr val="002050"/>
+                </a:solidFill>
+                <a:highlight>
+                  <a:srgbClr val="FFFF00"/>
+                </a:highlight>
+              </a:rPr>
+              <a:t>,</a:t>
+            </a:r>
+            <a:r>
+              <a:rPr lang="en-US" dirty="0">
+                <a:solidFill>
+                  <a:srgbClr val="C00000"/>
+                </a:solidFill>
+                <a:highlight>
+                  <a:srgbClr val="FFFF00"/>
+                </a:highlight>
+              </a:rPr>
+              <a:t> </a:t>
+            </a:r>
+            <a:r>
+              <a:rPr lang="en-US" dirty="0">
+                <a:highlight>
+                  <a:srgbClr val="FFFF00"/>
+                </a:highlight>
+              </a:rPr>
+              <a:t>\ </a:t>
+            </a:r>
+          </a:p>
+          <a:p>
+            <a:r>
+              <a:rPr lang="en-US" dirty="0">
+                <a:highlight>
+                  <a:srgbClr val="FFFF00"/>
+                </a:highlight>
+              </a:rPr>
+              <a:t>               </a:t>
+            </a:r>
+            <a:r>
+              <a:rPr lang="en-US" dirty="0">
+                <a:solidFill>
+                  <a:srgbClr val="C00000"/>
+                </a:solidFill>
+                <a:highlight>
+                  <a:srgbClr val="FFFF00"/>
+                </a:highlight>
+              </a:rPr>
+              <a:t>'Rio de Janeiro'</a:t>
+            </a:r>
+            <a:r>
+              <a:rPr lang="en-US" dirty="0">
+                <a:solidFill>
+                  <a:srgbClr val="002050"/>
+                </a:solidFill>
+                <a:highlight>
+                  <a:srgbClr val="FFFF00"/>
+                </a:highlight>
+              </a:rPr>
+              <a:t>,</a:t>
+            </a:r>
+            <a:r>
+              <a:rPr lang="en-US" dirty="0">
+                <a:solidFill>
+                  <a:srgbClr val="C00000"/>
+                </a:solidFill>
+                <a:highlight>
+                  <a:srgbClr val="FFFF00"/>
+                </a:highlight>
+              </a:rPr>
+              <a:t>'</a:t>
+            </a:r>
+            <a:r>
+              <a:rPr lang="en-US" dirty="0" err="1">
+                <a:solidFill>
+                  <a:srgbClr val="C00000"/>
+                </a:solidFill>
+                <a:highlight>
+                  <a:srgbClr val="FFFF00"/>
+                </a:highlight>
+              </a:rPr>
+              <a:t>Ijui</a:t>
+            </a:r>
+            <a:r>
+              <a:rPr lang="en-US" dirty="0">
+                <a:solidFill>
+                  <a:srgbClr val="C00000"/>
+                </a:solidFill>
+                <a:highlight>
+                  <a:srgbClr val="FFFF00"/>
+                </a:highlight>
+              </a:rPr>
+              <a:t>'</a:t>
+            </a:r>
+            <a:r>
+              <a:rPr lang="en-US" dirty="0">
+                <a:solidFill>
+                  <a:srgbClr val="002050"/>
+                </a:solidFill>
+                <a:highlight>
+                  <a:srgbClr val="FFFF00"/>
+                </a:highlight>
+              </a:rPr>
+              <a:t>)</a:t>
+            </a:r>
+            <a:r>
+              <a:rPr lang="en-US" dirty="0">
+                <a:solidFill>
+                  <a:srgbClr val="002050"/>
+                </a:solidFill>
+              </a:rPr>
+              <a:t>:</a:t>
+            </a:r>
+          </a:p>
+          <a:p>
+            <a:r>
+              <a:rPr lang="en-CA" dirty="0"/>
+              <a:t>	tax = 0.05</a:t>
+            </a:r>
+          </a:p>
+          <a:p>
+            <a:r>
+              <a:rPr lang="en-CA" dirty="0" err="1"/>
+              <a:t>elif</a:t>
+            </a:r>
+            <a:r>
+              <a:rPr lang="en-CA" dirty="0"/>
+              <a:t> province == </a:t>
+            </a:r>
+            <a:r>
+              <a:rPr lang="en-CA" dirty="0">
+                <a:solidFill>
+                  <a:srgbClr val="C00000"/>
+                </a:solidFill>
+              </a:rPr>
+              <a:t>'Campinas'</a:t>
+            </a:r>
+            <a:r>
+              <a:rPr lang="en-CA" dirty="0">
+                <a:solidFill>
+                  <a:srgbClr val="002050"/>
+                </a:solidFill>
+              </a:rPr>
+              <a:t>:</a:t>
+            </a:r>
+          </a:p>
+          <a:p>
+            <a:r>
+              <a:rPr lang="en-CA" dirty="0"/>
+              <a:t>	tax = 0.13</a:t>
+            </a:r>
+          </a:p>
+          <a:p>
+            <a:r>
+              <a:rPr lang="en-CA" dirty="0"/>
+              <a:t>else:</a:t>
+            </a:r>
+          </a:p>
+          <a:p>
+            <a:r>
+              <a:rPr lang="en-CA" dirty="0"/>
+              <a:t>	tax = 0.15</a:t>
+            </a:r>
+          </a:p>
+          <a:p>
+            <a:endParaRPr lang="en-CA" dirty="0"/>
+          </a:p>
+          <a:p>
+            <a:endParaRPr lang="en-CA" dirty="0"/>
+          </a:p>
+          <a:p>
+            <a:endParaRPr lang="en-CA" dirty="0"/>
+          </a:p>
+        </p:txBody>
+      </p:sp>
     </p:spTree>
     <p:extLst>
       <p:ext uri="{BB962C8B-B14F-4D97-AF65-F5344CB8AC3E}">
@@ -44905,7 +45186,7 @@
                                           </p:stCondLst>
                                         </p:cTn>
                                         <p:tgtEl>
-                                          <p:spTgt spid="5">
+                                          <p:spTgt spid="9">
                                             <p:txEl>
                                               <p:pRg st="0" end="0"/>
                                             </p:txEl>
@@ -44936,7 +45217,7 @@
                                           </p:stCondLst>
                                         </p:cTn>
                                         <p:tgtEl>
-                                          <p:spTgt spid="5">
+                                          <p:spTgt spid="9">
                                             <p:txEl>
                                               <p:pRg st="1" end="1"/>
                                             </p:txEl>
@@ -44967,7 +45248,7 @@
                                           </p:stCondLst>
                                         </p:cTn>
                                         <p:tgtEl>
-                                          <p:spTgt spid="5">
+                                          <p:spTgt spid="9">
                                             <p:txEl>
                                               <p:pRg st="2" end="2"/>
                                             </p:txEl>
@@ -44998,7 +45279,7 @@
                                           </p:stCondLst>
                                         </p:cTn>
                                         <p:tgtEl>
-                                          <p:spTgt spid="5">
+                                          <p:spTgt spid="9">
                                             <p:txEl>
                                               <p:pRg st="3" end="3"/>
                                             </p:txEl>
@@ -45029,7 +45310,7 @@
                                           </p:stCondLst>
                                         </p:cTn>
                                         <p:tgtEl>
-                                          <p:spTgt spid="5">
+                                          <p:spTgt spid="9">
                                             <p:txEl>
                                               <p:pRg st="4" end="4"/>
                                             </p:txEl>
@@ -45060,7 +45341,7 @@
                                           </p:stCondLst>
                                         </p:cTn>
                                         <p:tgtEl>
-                                          <p:spTgt spid="5">
+                                          <p:spTgt spid="9">
                                             <p:txEl>
                                               <p:pRg st="5" end="5"/>
                                             </p:txEl>
@@ -45091,7 +45372,7 @@
                                           </p:stCondLst>
                                         </p:cTn>
                                         <p:tgtEl>
-                                          <p:spTgt spid="5">
+                                          <p:spTgt spid="9">
                                             <p:txEl>
                                               <p:pRg st="6" end="6"/>
                                             </p:txEl>
@@ -45136,7 +45417,7 @@
       </p:par>
     </p:tnLst>
     <p:bldLst>
-      <p:bldP spid="5" grpId="0" uiExpand="1" build="p"/>
+      <p:bldP spid="9" grpId="0" uiExpand="1" build="p"/>
     </p:bldLst>
   </p:timing>
 </p:sld>
@@ -45171,12 +45452,14 @@
         </p:nvSpPr>
         <p:spPr/>
         <p:txBody>
-          <a:bodyPr/>
+          <a:bodyPr>
+            <a:normAutofit fontScale="90000"/>
+          </a:bodyPr>
           <a:lstStyle/>
           <a:p>
             <a:r>
-              <a:rPr lang="en-US" b="1" dirty="0"/>
-              <a:t>If an action depends on a combination of conditions you can nest if statements</a:t>
+              <a:rPr lang="pt-BR" b="1" dirty="0"/>
+              <a:t>Se uma ação depende de uma combinação de condições, é possível aninhar as instruções if</a:t>
             </a:r>
             <a:endParaRPr lang="en-US" dirty="0"/>
           </a:p>
@@ -45222,7 +45505,7 @@
                   <a:srgbClr val="FFFF00"/>
                 </a:highlight>
               </a:rPr>
-              <a:t>'Canada':</a:t>
+              <a:t>'Brasil':</a:t>
             </a:r>
           </a:p>
           <a:p>
@@ -45236,7 +45519,7 @@
                   <a:srgbClr val="C00000"/>
                 </a:solidFill>
               </a:rPr>
-              <a:t>'Alberta'</a:t>
+              <a:t>'São Paulo'</a:t>
             </a:r>
             <a:r>
               <a:rPr lang="en-CA" dirty="0">
@@ -45258,6 +45541,22 @@
                   <a:srgbClr val="C00000"/>
                 </a:solidFill>
               </a:rPr>
+              <a:t>'Rio de Janeiro'</a:t>
+            </a:r>
+            <a:r>
+              <a:rPr lang="en-CA" dirty="0">
+                <a:solidFill>
+                  <a:srgbClr val="002050"/>
+                </a:solidFill>
+              </a:rPr>
+              <a:t>,</a:t>
+            </a:r>
+            <a:r>
+              <a:rPr lang="en-CA" dirty="0">
+                <a:solidFill>
+                  <a:srgbClr val="C00000"/>
+                </a:solidFill>
+              </a:rPr>
               <a:t>'</a:t>
             </a:r>
             <a:r>
@@ -45266,23 +45565,7 @@
                   <a:srgbClr val="C00000"/>
                 </a:solidFill>
               </a:rPr>
-              <a:t>Nunavut'</a:t>
-            </a:r>
-            <a:r>
-              <a:rPr lang="en-CA" dirty="0" err="1">
-                <a:solidFill>
-                  <a:srgbClr val="002050"/>
-                </a:solidFill>
-              </a:rPr>
-              <a:t>,</a:t>
-            </a:r>
-            <a:r>
-              <a:rPr lang="en-CA" dirty="0" err="1">
-                <a:solidFill>
-                  <a:srgbClr val="C00000"/>
-                </a:solidFill>
-              </a:rPr>
-              <a:t>'Yukon</a:t>
+              <a:t>Ijui</a:t>
             </a:r>
             <a:r>
               <a:rPr lang="en-CA" dirty="0">
@@ -45326,7 +45609,7 @@
                   <a:srgbClr val="C00000"/>
                 </a:solidFill>
               </a:rPr>
-              <a:t>'Ontario'</a:t>
+              <a:t>'Campinas'</a:t>
             </a:r>
             <a:r>
               <a:rPr lang="en-CA" dirty="0">
@@ -45452,8 +45735,8 @@
           </p:nvSpPr>
           <p:spPr>
             <a:xfrm rot="701104">
-              <a:off x="8268032" y="2749533"/>
-              <a:ext cx="2934883" cy="3333220"/>
+              <a:off x="8268032" y="2624885"/>
+              <a:ext cx="2934883" cy="3582519"/>
             </a:xfrm>
             <a:prstGeom prst="rect">
               <a:avLst/>
@@ -45477,14 +45760,14 @@
                 </a:spcAft>
               </a:pPr>
               <a:r>
-                <a:rPr lang="en-CA" dirty="0">
+                <a:rPr lang="pt-BR" dirty="0">
                   <a:solidFill>
                     <a:srgbClr val="FF0000"/>
                   </a:solidFill>
                   <a:ea typeface="Segoe UI" pitchFamily="34" charset="0"/>
                   <a:cs typeface="Segoe UI" pitchFamily="34" charset="0"/>
                 </a:rPr>
-                <a:t>Calculate Canadian sales tax</a:t>
+                <a:t>Calcular imposto sobre vendas no Brasil</a:t>
               </a:r>
             </a:p>
             <a:p>
@@ -45510,18 +45793,15 @@
                   <a:ea typeface="Segoe UI" pitchFamily="34" charset="0"/>
                   <a:cs typeface="Segoe UI" pitchFamily="34" charset="0"/>
                 </a:rPr>
-                <a:t>For Canadian residents</a:t>
+                <a:t>Para residents do Brasil:</a:t>
               </a:r>
-              <a:r>
-                <a:rPr lang="en-CA" dirty="0">
-                  <a:solidFill>
-                    <a:srgbClr val="FF0000"/>
-                  </a:solidFill>
-                  <a:ea typeface="Segoe UI" pitchFamily="34" charset="0"/>
-                  <a:cs typeface="Segoe UI" pitchFamily="34" charset="0"/>
-                </a:rPr>
-                <a:t>:</a:t>
-              </a:r>
+              <a:endParaRPr lang="en-CA" dirty="0">
+                <a:solidFill>
+                  <a:srgbClr val="FF0000"/>
+                </a:solidFill>
+                <a:ea typeface="Segoe UI" pitchFamily="34" charset="0"/>
+                <a:cs typeface="Segoe UI" pitchFamily="34" charset="0"/>
+              </a:endParaRPr>
             </a:p>
             <a:p>
               <a:pPr algn="ctr" defTabSz="932472" fontAlgn="base">
@@ -45544,82 +45824,7 @@
               </a:endParaRPr>
             </a:p>
             <a:p>
-              <a:pPr marL="342900" indent="-342900" defTabSz="932472" fontAlgn="base">
-                <a:lnSpc>
-                  <a:spcPct val="90000"/>
-                </a:lnSpc>
-                <a:spcBef>
-                  <a:spcPct val="0"/>
-                </a:spcBef>
-                <a:spcAft>
-                  <a:spcPct val="0"/>
-                </a:spcAft>
-                <a:buFont typeface="Arial" panose="020B0604020202020204" pitchFamily="34" charset="0"/>
-                <a:buChar char="•"/>
-              </a:pPr>
-              <a:r>
-                <a:rPr lang="en-CA" dirty="0">
-                  <a:solidFill>
-                    <a:srgbClr val="FF0000"/>
-                  </a:solidFill>
-                  <a:ea typeface="Segoe UI" pitchFamily="34" charset="0"/>
-                  <a:cs typeface="Segoe UI" pitchFamily="34" charset="0"/>
-                </a:rPr>
-                <a:t>If the province is Alberta, Nunavut, or Yukon charge 5%</a:t>
-              </a:r>
-            </a:p>
-            <a:p>
-              <a:pPr marL="342900" indent="-342900" defTabSz="932472" fontAlgn="base">
-                <a:lnSpc>
-                  <a:spcPct val="90000"/>
-                </a:lnSpc>
-                <a:spcBef>
-                  <a:spcPct val="0"/>
-                </a:spcBef>
-                <a:spcAft>
-                  <a:spcPct val="0"/>
-                </a:spcAft>
-                <a:buFont typeface="Arial" panose="020B0604020202020204" pitchFamily="34" charset="0"/>
-                <a:buChar char="•"/>
-              </a:pPr>
-              <a:r>
-                <a:rPr lang="en-CA" dirty="0">
-                  <a:solidFill>
-                    <a:srgbClr val="FF0000"/>
-                  </a:solidFill>
-                  <a:ea typeface="Segoe UI" pitchFamily="34" charset="0"/>
-                  <a:cs typeface="Segoe UI" pitchFamily="34" charset="0"/>
-                </a:rPr>
-                <a:t>If the province is Ontario charge 13%</a:t>
-              </a:r>
-            </a:p>
-            <a:p>
-              <a:pPr marL="342900" indent="-342900" defTabSz="932472" fontAlgn="base">
-                <a:lnSpc>
-                  <a:spcPct val="90000"/>
-                </a:lnSpc>
-                <a:spcBef>
-                  <a:spcPct val="0"/>
-                </a:spcBef>
-                <a:spcAft>
-                  <a:spcPct val="0"/>
-                </a:spcAft>
-                <a:buFont typeface="Arial" panose="020B0604020202020204" pitchFamily="34" charset="0"/>
-                <a:buChar char="•"/>
-              </a:pPr>
-              <a:r>
-                <a:rPr lang="en-CA" dirty="0">
-                  <a:solidFill>
-                    <a:srgbClr val="FF0000"/>
-                  </a:solidFill>
-                  <a:ea typeface="Segoe UI" pitchFamily="34" charset="0"/>
-                  <a:cs typeface="Segoe UI" pitchFamily="34" charset="0"/>
-                </a:rPr>
-                <a:t>For all other provinces charge 15%</a:t>
-              </a:r>
-            </a:p>
-            <a:p>
-              <a:pPr defTabSz="932472" fontAlgn="base">
+              <a:pPr algn="ctr" defTabSz="932472" fontAlgn="base">
                 <a:lnSpc>
                   <a:spcPct val="90000"/>
                 </a:lnSpc>
@@ -45631,7 +45836,76 @@
                 </a:spcAft>
               </a:pPr>
               <a:r>
-                <a:rPr lang="en-CA" dirty="0">
+                <a:rPr lang="pt-BR" dirty="0">
+                  <a:solidFill>
+                    <a:srgbClr val="FF0000"/>
+                  </a:solidFill>
+                  <a:ea typeface="Segoe UI" pitchFamily="34" charset="0"/>
+                  <a:cs typeface="Segoe UI" pitchFamily="34" charset="0"/>
+                </a:rPr>
+                <a:t>Se a cidade for São Paulo, Rio de Janeiro ou Ijui, cobram 5%</a:t>
+              </a:r>
+            </a:p>
+            <a:p>
+              <a:pPr algn="ctr" defTabSz="932472" fontAlgn="base">
+                <a:lnSpc>
+                  <a:spcPct val="90000"/>
+                </a:lnSpc>
+                <a:spcBef>
+                  <a:spcPct val="0"/>
+                </a:spcBef>
+                <a:spcAft>
+                  <a:spcPct val="0"/>
+                </a:spcAft>
+              </a:pPr>
+              <a:r>
+                <a:rPr lang="pt-BR" dirty="0">
+                  <a:solidFill>
+                    <a:srgbClr val="FF0000"/>
+                  </a:solidFill>
+                  <a:ea typeface="Segoe UI" pitchFamily="34" charset="0"/>
+                  <a:cs typeface="Segoe UI" pitchFamily="34" charset="0"/>
+                </a:rPr>
+                <a:t>Se a cidadefor Campinas, cobram 13%</a:t>
+              </a:r>
+            </a:p>
+            <a:p>
+              <a:pPr algn="ctr" defTabSz="932472" fontAlgn="base">
+                <a:lnSpc>
+                  <a:spcPct val="90000"/>
+                </a:lnSpc>
+                <a:spcBef>
+                  <a:spcPct val="0"/>
+                </a:spcBef>
+                <a:spcAft>
+                  <a:spcPct val="0"/>
+                </a:spcAft>
+              </a:pPr>
+              <a:r>
+                <a:rPr lang="pt-BR" dirty="0">
+                  <a:solidFill>
+                    <a:srgbClr val="FF0000"/>
+                  </a:solidFill>
+                  <a:ea typeface="Segoe UI" pitchFamily="34" charset="0"/>
+                  <a:cs typeface="Segoe UI" pitchFamily="34" charset="0"/>
+                </a:rPr>
+                <a:t>Para todas as outras cidades, cobram 15%</a:t>
+              </a:r>
+            </a:p>
+            <a:p>
+              <a:pPr algn="ctr" defTabSz="932472" fontAlgn="base">
+                <a:lnSpc>
+                  <a:spcPct val="90000"/>
+                </a:lnSpc>
+                <a:spcBef>
+                  <a:spcPct val="0"/>
+                </a:spcBef>
+                <a:spcAft>
+                  <a:spcPct val="0"/>
+                </a:spcAft>
+              </a:pPr>
+              <a:r>
+                <a:rPr lang="pt-BR" dirty="0">
                   <a:solidFill>
                     <a:srgbClr val="FF0000"/>
                   </a:solidFill>
@@ -45641,8 +45915,18 @@
                   <a:ea typeface="Segoe UI" pitchFamily="34" charset="0"/>
                   <a:cs typeface="Segoe UI" pitchFamily="34" charset="0"/>
                 </a:rPr>
-                <a:t>Non Canadian residents do not pay sales tax</a:t>
+                <a:t>Residentes não brasileiros não pagam imposto sobre vendas</a:t>
               </a:r>
+              <a:endParaRPr lang="en-CA" dirty="0">
+                <a:solidFill>
+                  <a:srgbClr val="FF0000"/>
+                </a:solidFill>
+                <a:highlight>
+                  <a:srgbClr val="FFFF00"/>
+                </a:highlight>
+                <a:ea typeface="Segoe UI" pitchFamily="34" charset="0"/>
+                <a:cs typeface="Segoe UI" pitchFamily="34" charset="0"/>
+              </a:endParaRPr>
             </a:p>
           </p:txBody>
         </p:sp>
@@ -46059,8 +46343,8 @@
           <a:lstStyle/>
           <a:p>
             <a:r>
-              <a:rPr lang="en-US" b="1" dirty="0"/>
-              <a:t>Handling real world business rules may require complicated conditional logic, but the code can still be written efficiently</a:t>
+              <a:rPr lang="pt-BR" b="1" dirty="0"/>
+              <a:t>O tratamento das regras de negócios do mundo real pode exigir lógica condicional complicada, mas o código ainda pode ser escrito com eficiência</a:t>
             </a:r>
             <a:endParaRPr lang="en-US" dirty="0"/>
           </a:p>
@@ -46078,8 +46362,8 @@
         </p:nvSpPr>
         <p:spPr>
           <a:xfrm>
-            <a:off x="387413" y="2430462"/>
-            <a:ext cx="11704320" cy="1668149"/>
+            <a:off x="365760" y="2811462"/>
+            <a:ext cx="11704320" cy="2111347"/>
           </a:xfrm>
           <a:ln>
             <a:noFill/>
@@ -46095,21 +46379,25 @@
           </a:p>
           <a:p>
             <a:r>
-              <a:rPr lang="en-US" dirty="0">
+              <a:rPr lang="pt-BR" dirty="0">
                 <a:latin typeface="Segoe UI Light" panose="020B0502040204020203" pitchFamily="34" charset="0"/>
                 <a:cs typeface="Segoe UI Light" panose="020B0502040204020203" pitchFamily="34" charset="0"/>
               </a:rPr>
-              <a:t>Apply appropriate state or federal taxes based on location</a:t>
+              <a:t>Aplique impostos estaduais ou federais apropriados com base na localização</a:t>
             </a:r>
           </a:p>
           <a:p>
             <a:r>
-              <a:rPr lang="en-US" dirty="0">
+              <a:rPr lang="pt-BR" dirty="0">
                 <a:latin typeface="Segoe UI Light" panose="020B0502040204020203" pitchFamily="34" charset="0"/>
                 <a:cs typeface="Segoe UI Light" panose="020B0502040204020203" pitchFamily="34" charset="0"/>
               </a:rPr>
-              <a:t>Calculate salary based on job level</a:t>
+              <a:t>Calcular salário com base no nível do trabalho</a:t>
             </a:r>
+            <a:endParaRPr lang="en-US" dirty="0">
+              <a:latin typeface="Segoe UI Light" panose="020B0502040204020203" pitchFamily="34" charset="0"/>
+              <a:cs typeface="Segoe UI Light" panose="020B0502040204020203" pitchFamily="34" charset="0"/>
+            </a:endParaRPr>
           </a:p>
         </p:txBody>
       </p:sp>
@@ -47237,15 +47525,6 @@
 </file>
 
 <file path=customXml/item1.xml><?xml version="1.0" encoding="utf-8"?>
-<?mso-contentType ?>
-<FormTemplates xmlns="http://schemas.microsoft.com/sharepoint/v3/contenttype/forms">
-  <Display>DocumentLibraryForm</Display>
-  <Edit>DocumentLibraryForm</Edit>
-  <New>DocumentLibraryForm</New>
-</FormTemplates>
-</file>
-
-<file path=customXml/item10.xml><?xml version="1.0" encoding="utf-8"?>
 <p:properties xmlns:p="http://schemas.microsoft.com/office/2006/metadata/properties" xmlns:xsi="http://www.w3.org/2001/XMLSchema-instance" xmlns:pc="http://schemas.microsoft.com/office/infopath/2007/PartnerControls">
   <documentManagement>
     <SharedWithUsers xmlns="83cd2334-221a-48c3-9034-bfd1542dfe28">
@@ -47269,7 +47548,22 @@
 </p:properties>
 </file>
 
+<file path=customXml/item10.xml><?xml version="1.0" encoding="utf-8"?>
+<?mso-contentType ?>
+<FormTemplates xmlns="http://schemas.microsoft.com/sharepoint/v3/contenttype/forms">
+  <Display>DocumentLibraryForm</Display>
+  <Edit>DocumentLibraryForm</Edit>
+  <New>DocumentLibraryForm</New>
+</FormTemplates>
+</file>
+
 <file path=customXml/item11.xml><?xml version="1.0" encoding="utf-8"?>
+<Control xmlns="http://schemas.microsoft.com/VisualStudio/2011/storyboarding/control">
+  <Id Name="fb22c541-ded0-47fa-8877-83a4c2d16227" Revision="1" Stencil="7276b9ef-3953-4dce-a89b-ed85f20b8b93" StencilVersion="1.0"/>
+</Control>
+</file>
+
+<file path=customXml/item12.xml><?xml version="1.0" encoding="utf-8"?>
 <p:properties xmlns:p="http://schemas.microsoft.com/office/2006/metadata/properties" xmlns:xsi="http://www.w3.org/2001/XMLSchema-instance" xmlns:pc="http://schemas.microsoft.com/office/infopath/2007/PartnerControls">
   <documentManagement>
     <SharedWithUsers xmlns="83cd2334-221a-48c3-9034-bfd1542dfe28">
@@ -47293,64 +47587,7 @@
 </p:properties>
 </file>
 
-<file path=customXml/item12.xml><?xml version="1.0" encoding="utf-8"?>
-<?mso-contentType ?>
-<FormTemplates xmlns="http://schemas.microsoft.com/sharepoint/v3/contenttype/forms">
-  <Display>DocumentLibraryForm</Display>
-  <Edit>DocumentLibraryForm</Edit>
-  <New>DocumentLibraryForm</New>
-</FormTemplates>
-</file>
-
 <file path=customXml/item13.xml><?xml version="1.0" encoding="utf-8"?>
-<Control xmlns="http://schemas.microsoft.com/VisualStudio/2011/storyboarding/control">
-  <Id Name="a53d73d2-368b-429e-b817-1324eec1382c" Revision="1" Stencil="7276b9ef-3953-4dce-a89b-ed85f20b8b93" StencilVersion="1.0"/>
-</Control>
-</file>
-
-<file path=customXml/item14.xml><?xml version="1.0" encoding="utf-8"?>
-<Control xmlns="http://schemas.microsoft.com/VisualStudio/2011/storyboarding/control">
-  <Id Name="d69996e1-3d61-4686-9b63-f1b855c596ab" Revision="1" Stencil="7276b9ef-3953-4dce-a89b-ed85f20b8b93" StencilVersion="1.0"/>
-</Control>
-</file>
-
-<file path=customXml/item15.xml><?xml version="1.0" encoding="utf-8"?>
-<Control xmlns="http://schemas.microsoft.com/VisualStudio/2011/storyboarding/control">
-  <Id Name="369f9055-6b6c-48b9-9320-5df2d46c430a" Revision="1" Stencil="7276b9ef-3953-4dce-a89b-ed85f20b8b93" StencilVersion="1.0"/>
-</Control>
-</file>
-
-<file path=customXml/item16.xml><?xml version="1.0" encoding="utf-8"?>
-<Control xmlns="http://schemas.microsoft.com/VisualStudio/2011/storyboarding/control">
-  <Id Name="fb22c541-ded0-47fa-8877-83a4c2d16227" Revision="1" Stencil="7276b9ef-3953-4dce-a89b-ed85f20b8b93" StencilVersion="1.0"/>
-</Control>
-</file>
-
-<file path=customXml/item17.xml><?xml version="1.0" encoding="utf-8"?>
-<Control xmlns="http://schemas.microsoft.com/VisualStudio/2011/storyboarding/control">
-  <Id Name="fb22c541-ded0-47fa-8877-83a4c2d16227" Revision="1" Stencil="7276b9ef-3953-4dce-a89b-ed85f20b8b93" StencilVersion="1.0"/>
-</Control>
-</file>
-
-<file path=customXml/item18.xml><?xml version="1.0" encoding="utf-8"?>
-<Control xmlns="http://schemas.microsoft.com/VisualStudio/2011/storyboarding/control">
-  <Id Name="d69996e1-3d61-4686-9b63-f1b855c596ab" Revision="1" Stencil="7276b9ef-3953-4dce-a89b-ed85f20b8b93" StencilVersion="1.0"/>
-</Control>
-</file>
-
-<file path=customXml/item19.xml><?xml version="1.0" encoding="utf-8"?>
-<Control xmlns="http://schemas.microsoft.com/VisualStudio/2011/storyboarding/control">
-  <Id Name="a2191c86-fc50-4add-948c-129f6b5a88d8" Revision="1" Stencil="7276b9ef-3953-4dce-a89b-ed85f20b8b93" StencilVersion="1.0"/>
-</Control>
-</file>
-
-<file path=customXml/item2.xml><?xml version="1.0" encoding="utf-8"?>
-<Control xmlns="http://schemas.microsoft.com/VisualStudio/2011/storyboarding/control">
-  <Id Name="a2191c86-fc50-4add-948c-129f6b5a88d8" Revision="1" Stencil="7276b9ef-3953-4dce-a89b-ed85f20b8b93" StencilVersion="1.0"/>
-</Control>
-</file>
-
-<file path=customXml/item20.xml><?xml version="1.0" encoding="utf-8"?>
 <p:properties xmlns:p="http://schemas.microsoft.com/office/2006/metadata/properties" xmlns:xsi="http://www.w3.org/2001/XMLSchema-instance" xmlns:pc="http://schemas.microsoft.com/office/infopath/2007/PartnerControls">
   <documentManagement>
     <SharedWithUsers xmlns="83cd2334-221a-48c3-9034-bfd1542dfe28">
@@ -47374,7 +47611,13 @@
 </p:properties>
 </file>
 
-<file path=customXml/item21.xml><?xml version="1.0" encoding="utf-8"?>
+<file path=customXml/item14.xml><?xml version="1.0" encoding="utf-8"?>
+<Control xmlns="http://schemas.microsoft.com/VisualStudio/2011/storyboarding/control">
+  <Id Name="369f9055-6b6c-48b9-9320-5df2d46c430a" Revision="1" Stencil="7276b9ef-3953-4dce-a89b-ed85f20b8b93" StencilVersion="1.0"/>
+</Control>
+</file>
+
+<file path=customXml/item15.xml><?xml version="1.0" encoding="utf-8"?>
 <?mso-contentType ?>
 <FormTemplates xmlns="http://schemas.microsoft.com/sharepoint/v3/contenttype/forms">
   <Display>DocumentLibraryForm</Display>
@@ -47383,19 +47626,31 @@
 </FormTemplates>
 </file>
 
-<file path=customXml/item22.xml><?xml version="1.0" encoding="utf-8"?>
+<file path=customXml/item16.xml><?xml version="1.0" encoding="utf-8"?>
+<Control xmlns="http://schemas.microsoft.com/VisualStudio/2011/storyboarding/control">
+  <Id Name="a2191c86-fc50-4add-948c-129f6b5a88d8" Revision="1" Stencil="7276b9ef-3953-4dce-a89b-ed85f20b8b93" StencilVersion="1.0"/>
+</Control>
+</file>
+
+<file path=customXml/item17.xml><?xml version="1.0" encoding="utf-8"?>
+<Control xmlns="http://schemas.microsoft.com/VisualStudio/2011/storyboarding/control">
+  <Id Name="d69996e1-3d61-4686-9b63-f1b855c596ab" Revision="1" Stencil="7276b9ef-3953-4dce-a89b-ed85f20b8b93" StencilVersion="1.0"/>
+</Control>
+</file>
+
+<file path=customXml/item18.xml><?xml version="1.0" encoding="utf-8"?>
 <Control xmlns="http://schemas.microsoft.com/VisualStudio/2011/storyboarding/control">
   <Id Name="fb22c541-ded0-47fa-8877-83a4c2d16227" Revision="1" Stencil="7276b9ef-3953-4dce-a89b-ed85f20b8b93" StencilVersion="1.0"/>
 </Control>
 </file>
 
-<file path=customXml/item23.xml><?xml version="1.0" encoding="utf-8"?>
+<file path=customXml/item19.xml><?xml version="1.0" encoding="utf-8"?>
 <Control xmlns="http://schemas.microsoft.com/VisualStudio/2011/storyboarding/control">
-  <Id Name="fb22c541-ded0-47fa-8877-83a4c2d16227" Revision="1" Stencil="7276b9ef-3953-4dce-a89b-ed85f20b8b93" StencilVersion="1.0"/>
+  <Id Name="a53d73d2-368b-429e-b817-1324eec1382c" Revision="1" Stencil="7276b9ef-3953-4dce-a89b-ed85f20b8b93" StencilVersion="1.0"/>
 </Control>
 </file>
 
-<file path=customXml/item24.xml><?xml version="1.0" encoding="utf-8"?>
+<file path=customXml/item2.xml><?xml version="1.0" encoding="utf-8"?>
 <?mso-contentType ?>
 <FormTemplates xmlns="http://schemas.microsoft.com/sharepoint/v3/contenttype/forms">
   <Display>DocumentLibraryForm</Display>
@@ -47404,13 +47659,79 @@
 </FormTemplates>
 </file>
 
-<file path=customXml/item25.xml><?xml version="1.0" encoding="utf-8"?>
+<file path=customXml/item20.xml><?xml version="1.0" encoding="utf-8"?>
+<Control xmlns="http://schemas.microsoft.com/VisualStudio/2011/storyboarding/control">
+  <Id Name="369f9055-6b6c-48b9-9320-5df2d46c430a" Revision="1" Stencil="7276b9ef-3953-4dce-a89b-ed85f20b8b93" StencilVersion="1.0"/>
+</Control>
+</file>
+
+<file path=customXml/item21.xml><?xml version="1.0" encoding="utf-8"?>
+<Control xmlns="http://schemas.microsoft.com/VisualStudio/2011/storyboarding/control">
+  <Id Name="369f9055-6b6c-48b9-9320-5df2d46c430a" Revision="1" Stencil="7276b9ef-3953-4dce-a89b-ed85f20b8b93" StencilVersion="1.0"/>
+</Control>
+</file>
+
+<file path=customXml/item22.xml><?xml version="1.0" encoding="utf-8"?>
+<Control xmlns="http://schemas.microsoft.com/VisualStudio/2011/storyboarding/control">
+  <Id Name="d69996e1-3d61-4686-9b63-f1b855c596ab" Revision="1" Stencil="7276b9ef-3953-4dce-a89b-ed85f20b8b93" StencilVersion="1.0"/>
+</Control>
+</file>
+
+<file path=customXml/item23.xml><?xml version="1.0" encoding="utf-8"?>
 <Control xmlns="http://schemas.microsoft.com/VisualStudio/2011/storyboarding/control">
   <Id Name="a2191c86-fc50-4add-948c-129f6b5a88d8" Revision="1" Stencil="7276b9ef-3953-4dce-a89b-ed85f20b8b93" StencilVersion="1.0"/>
 </Control>
 </file>
 
+<file path=customXml/item24.xml><?xml version="1.0" encoding="utf-8"?>
+<Control xmlns="http://schemas.microsoft.com/VisualStudio/2011/storyboarding/control">
+  <Id Name="d69996e1-3d61-4686-9b63-f1b855c596ab" Revision="1" Stencil="7276b9ef-3953-4dce-a89b-ed85f20b8b93" StencilVersion="1.0"/>
+</Control>
+</file>
+
+<file path=customXml/item25.xml><?xml version="1.0" encoding="utf-8"?>
+<?mso-contentType ?>
+<FormTemplates xmlns="http://schemas.microsoft.com/sharepoint/v3/contenttype/forms">
+  <Display>DocumentLibraryForm</Display>
+  <Edit>DocumentLibraryForm</Edit>
+  <New>DocumentLibraryForm</New>
+</FormTemplates>
+</file>
+
 <file path=customXml/item26.xml><?xml version="1.0" encoding="utf-8"?>
+<Control xmlns="http://schemas.microsoft.com/VisualStudio/2011/storyboarding/control">
+  <Id Name="fb22c541-ded0-47fa-8877-83a4c2d16227" Revision="1" Stencil="7276b9ef-3953-4dce-a89b-ed85f20b8b93" StencilVersion="1.0"/>
+</Control>
+</file>
+
+<file path=customXml/item27.xml><?xml version="1.0" encoding="utf-8"?>
+<Control xmlns="http://schemas.microsoft.com/VisualStudio/2011/storyboarding/control">
+  <Id Name="a2191c86-fc50-4add-948c-129f6b5a88d8" Revision="1" Stencil="7276b9ef-3953-4dce-a89b-ed85f20b8b93" StencilVersion="1.0"/>
+</Control>
+</file>
+
+<file path=customXml/item28.xml><?xml version="1.0" encoding="utf-8"?>
+<Control xmlns="http://schemas.microsoft.com/VisualStudio/2011/storyboarding/control">
+  <Id Name="369f9055-6b6c-48b9-9320-5df2d46c430a" Revision="1" Stencil="7276b9ef-3953-4dce-a89b-ed85f20b8b93" StencilVersion="1.0"/>
+</Control>
+</file>
+
+<file path=customXml/item29.xml><?xml version="1.0" encoding="utf-8"?>
+<?mso-contentType ?>
+<FormTemplates xmlns="http://schemas.microsoft.com/sharepoint/v3/contenttype/forms">
+  <Display>DocumentLibraryForm</Display>
+  <Edit>DocumentLibraryForm</Edit>
+  <New>DocumentLibraryForm</New>
+</FormTemplates>
+</file>
+
+<file path=customXml/item3.xml><?xml version="1.0" encoding="utf-8"?>
+<Control xmlns="http://schemas.microsoft.com/VisualStudio/2011/storyboarding/control">
+  <Id Name="a2191c86-fc50-4add-948c-129f6b5a88d8" Revision="1" Stencil="7276b9ef-3953-4dce-a89b-ed85f20b8b93" StencilVersion="1.0"/>
+</Control>
+</file>
+
+<file path=customXml/item30.xml><?xml version="1.0" encoding="utf-8"?>
 <p:properties xmlns:p="http://schemas.microsoft.com/office/2006/metadata/properties" xmlns:xsi="http://www.w3.org/2001/XMLSchema-instance" xmlns:pc="http://schemas.microsoft.com/office/infopath/2007/PartnerControls">
   <documentManagement>
     <SharedWithUsers xmlns="83cd2334-221a-48c3-9034-bfd1542dfe28">
@@ -47434,19 +47755,163 @@
 </p:properties>
 </file>
 
-<file path=customXml/item27.xml><?xml version="1.0" encoding="utf-8"?>
+<file path=customXml/item31.xml><?xml version="1.0" encoding="utf-8"?>
 <Control xmlns="http://schemas.microsoft.com/VisualStudio/2011/storyboarding/control">
   <Id Name="a53d73d2-368b-429e-b817-1324eec1382c" Revision="1" Stencil="7276b9ef-3953-4dce-a89b-ed85f20b8b93" StencilVersion="1.0"/>
 </Control>
 </file>
 
-<file path=customXml/item28.xml><?xml version="1.0" encoding="utf-8"?>
+<file path=customXml/item32.xml><?xml version="1.0" encoding="utf-8"?>
+<?mso-contentType ?>
+<FormTemplates xmlns="http://schemas.microsoft.com/sharepoint/v3/contenttype/forms">
+  <Display>DocumentLibraryForm</Display>
+  <Edit>DocumentLibraryForm</Edit>
+  <New>DocumentLibraryForm</New>
+</FormTemplates>
+</file>
+
+<file path=customXml/item33.xml><?xml version="1.0" encoding="utf-8"?>
+<Control xmlns="http://schemas.microsoft.com/VisualStudio/2011/storyboarding/control">
+  <Id Name="369f9055-6b6c-48b9-9320-5df2d46c430a" Revision="1" Stencil="7276b9ef-3953-4dce-a89b-ed85f20b8b93" StencilVersion="1.0"/>
+</Control>
+</file>
+
+<file path=customXml/item34.xml><?xml version="1.0" encoding="utf-8"?>
+<Control xmlns="http://schemas.microsoft.com/VisualStudio/2011/storyboarding/control">
+  <Id Name="369f9055-6b6c-48b9-9320-5df2d46c430a" Revision="1" Stencil="7276b9ef-3953-4dce-a89b-ed85f20b8b93" StencilVersion="1.0"/>
+</Control>
+</file>
+
+<file path=customXml/item35.xml><?xml version="1.0" encoding="utf-8"?>
 <Control xmlns="http://schemas.microsoft.com/VisualStudio/2011/storyboarding/control">
   <Id Name="fb22c541-ded0-47fa-8877-83a4c2d16227" Revision="1" Stencil="7276b9ef-3953-4dce-a89b-ed85f20b8b93" StencilVersion="1.0"/>
 </Control>
 </file>
 
-<file path=customXml/item29.xml><?xml version="1.0" encoding="utf-8"?>
+<file path=customXml/item36.xml><?xml version="1.0" encoding="utf-8"?>
+<Control xmlns="http://schemas.microsoft.com/VisualStudio/2011/storyboarding/control">
+  <Id Name="fb22c541-ded0-47fa-8877-83a4c2d16227" Revision="1" Stencil="7276b9ef-3953-4dce-a89b-ed85f20b8b93" StencilVersion="1.0"/>
+</Control>
+</file>
+
+<file path=customXml/item37.xml><?xml version="1.0" encoding="utf-8"?>
+<Control xmlns="http://schemas.microsoft.com/VisualStudio/2011/storyboarding/control">
+  <Id Name="d69996e1-3d61-4686-9b63-f1b855c596ab" Revision="1" Stencil="7276b9ef-3953-4dce-a89b-ed85f20b8b93" StencilVersion="1.0"/>
+</Control>
+</file>
+
+<file path=customXml/item38.xml><?xml version="1.0" encoding="utf-8"?>
+<p:properties xmlns:p="http://schemas.microsoft.com/office/2006/metadata/properties" xmlns:xsi="http://www.w3.org/2001/XMLSchema-instance" xmlns:pc="http://schemas.microsoft.com/office/infopath/2007/PartnerControls">
+  <documentManagement>
+    <SharedWithUsers xmlns="83cd2334-221a-48c3-9034-bfd1542dfe28">
+      <UserInfo>
+        <DisplayName>Gilad Turbahn</DisplayName>
+        <AccountId>511</AccountId>
+        <AccountType/>
+      </UserInfo>
+      <UserInfo>
+        <DisplayName>Keith Boyd</DisplayName>
+        <AccountId>993</AccountId>
+        <AccountType/>
+      </UserInfo>
+      <UserInfo>
+        <DisplayName>Christopher Harrison</DisplayName>
+        <AccountId>1176</AccountId>
+        <AccountType/>
+      </UserInfo>
+    </SharedWithUsers>
+  </documentManagement>
+</p:properties>
+</file>
+
+<file path=customXml/item39.xml><?xml version="1.0" encoding="utf-8"?>
+<Control xmlns="http://schemas.microsoft.com/VisualStudio/2011/storyboarding/control">
+  <Id Name="a53d73d2-368b-429e-b817-1324eec1382c" Revision="1" Stencil="7276b9ef-3953-4dce-a89b-ed85f20b8b93" StencilVersion="1.0"/>
+</Control>
+</file>
+
+<file path=customXml/item4.xml><?xml version="1.0" encoding="utf-8"?>
+<Control xmlns="http://schemas.microsoft.com/VisualStudio/2011/storyboarding/control">
+  <Id Name="a53d73d2-368b-429e-b817-1324eec1382c" Revision="1" Stencil="7276b9ef-3953-4dce-a89b-ed85f20b8b93" StencilVersion="1.0"/>
+</Control>
+</file>
+
+<file path=customXml/item40.xml><?xml version="1.0" encoding="utf-8"?>
+<Control xmlns="http://schemas.microsoft.com/VisualStudio/2011/storyboarding/control">
+  <Id Name="a53d73d2-368b-429e-b817-1324eec1382c" Revision="1" Stencil="7276b9ef-3953-4dce-a89b-ed85f20b8b93" StencilVersion="1.0"/>
+</Control>
+</file>
+
+<file path=customXml/item41.xml><?xml version="1.0" encoding="utf-8"?>
+<?mso-contentType ?>
+<FormTemplates xmlns="http://schemas.microsoft.com/sharepoint/v3/contenttype/forms">
+  <Display>DocumentLibraryForm</Display>
+  <Edit>DocumentLibraryForm</Edit>
+  <New>DocumentLibraryForm</New>
+</FormTemplates>
+</file>
+
+<file path=customXml/item42.xml><?xml version="1.0" encoding="utf-8"?>
+<Control xmlns="http://schemas.microsoft.com/VisualStudio/2011/storyboarding/control">
+  <Id Name="d69996e1-3d61-4686-9b63-f1b855c596ab" Revision="1" Stencil="7276b9ef-3953-4dce-a89b-ed85f20b8b93" StencilVersion="1.0"/>
+</Control>
+</file>
+
+<file path=customXml/item43.xml><?xml version="1.0" encoding="utf-8"?>
+<Control xmlns="http://schemas.microsoft.com/VisualStudio/2011/storyboarding/control">
+  <Id Name="a53d73d2-368b-429e-b817-1324eec1382c" Revision="1" Stencil="7276b9ef-3953-4dce-a89b-ed85f20b8b93" StencilVersion="1.0"/>
+</Control>
+</file>
+
+<file path=customXml/item44.xml><?xml version="1.0" encoding="utf-8"?>
+<Control xmlns="http://schemas.microsoft.com/VisualStudio/2011/storyboarding/control">
+  <Id Name="d69996e1-3d61-4686-9b63-f1b855c596ab" Revision="1" Stencil="7276b9ef-3953-4dce-a89b-ed85f20b8b93" StencilVersion="1.0"/>
+</Control>
+</file>
+
+<file path=customXml/item45.xml><?xml version="1.0" encoding="utf-8"?>
+<Control xmlns="http://schemas.microsoft.com/VisualStudio/2011/storyboarding/control">
+  <Id Name="a2191c86-fc50-4add-948c-129f6b5a88d8" Revision="1" Stencil="7276b9ef-3953-4dce-a89b-ed85f20b8b93" StencilVersion="1.0"/>
+</Control>
+</file>
+
+<file path=customXml/item5.xml><?xml version="1.0" encoding="utf-8"?>
+<p:properties xmlns:p="http://schemas.microsoft.com/office/2006/metadata/properties" xmlns:xsi="http://www.w3.org/2001/XMLSchema-instance" xmlns:pc="http://schemas.microsoft.com/office/infopath/2007/PartnerControls">
+  <documentManagement>
+    <SharedWithUsers xmlns="83cd2334-221a-48c3-9034-bfd1542dfe28">
+      <UserInfo>
+        <DisplayName>Gilad Turbahn</DisplayName>
+        <AccountId>511</AccountId>
+        <AccountType/>
+      </UserInfo>
+      <UserInfo>
+        <DisplayName>Keith Boyd</DisplayName>
+        <AccountId>993</AccountId>
+        <AccountType/>
+      </UserInfo>
+      <UserInfo>
+        <DisplayName>Christopher Harrison</DisplayName>
+        <AccountId>1176</AccountId>
+        <AccountType/>
+      </UserInfo>
+    </SharedWithUsers>
+  </documentManagement>
+</p:properties>
+</file>
+
+<file path=customXml/item6.xml><?xml version="1.0" encoding="utf-8"?>
+<Control xmlns="http://schemas.microsoft.com/VisualStudio/2011/storyboarding/control">
+  <Id Name="a2191c86-fc50-4add-948c-129f6b5a88d8" Revision="1" Stencil="7276b9ef-3953-4dce-a89b-ed85f20b8b93" StencilVersion="1.0"/>
+</Control>
+</file>
+
+<file path=customXml/item7.xml><?xml version="1.0" encoding="utf-8"?>
+<Control xmlns="http://schemas.microsoft.com/VisualStudio/2011/storyboarding/control">
+  <Id Name="fb22c541-ded0-47fa-8877-83a4c2d16227" Revision="1" Stencil="7276b9ef-3953-4dce-a89b-ed85f20b8b93" StencilVersion="1.0"/>
+</Control>
+</file>
+
+<file path=customXml/item8.xml><?xml version="1.0" encoding="utf-8"?>
 <ct:contentTypeSchema xmlns:ct="http://schemas.microsoft.com/office/2006/metadata/contentType" xmlns:ma="http://schemas.microsoft.com/office/2006/metadata/properties/metaAttributes" ct:_="" ma:_="" ma:contentTypeName="Document" ma:contentTypeID="0x010100674EDBEC711BD14FBA6FF5C10FEFEAC7" ma:contentTypeVersion="2" ma:contentTypeDescription="Create a new document." ma:contentTypeScope="" ma:versionID="2439c5e21841780d4f192983b535a097">
   <xsd:schema xmlns:xsd="http://www.w3.org/2001/XMLSchema" xmlns:xs="http://www.w3.org/2001/XMLSchema" xmlns:p="http://schemas.microsoft.com/office/2006/metadata/properties" xmlns:ns2="83cd2334-221a-48c3-9034-bfd1542dfe28" targetNamespace="http://schemas.microsoft.com/office/2006/metadata/properties" ma:root="true" ma:fieldsID="2bca9163d8d0b233c3086236a9289b04" ns2:_="">
     <xsd:import namespace="83cd2334-221a-48c3-9034-bfd1542dfe28"/>
@@ -47594,55 +48059,7 @@
 </ct:contentTypeSchema>
 </file>
 
-<file path=customXml/item3.xml><?xml version="1.0" encoding="utf-8"?>
-<Control xmlns="http://schemas.microsoft.com/VisualStudio/2011/storyboarding/control">
-  <Id Name="d69996e1-3d61-4686-9b63-f1b855c596ab" Revision="1" Stencil="7276b9ef-3953-4dce-a89b-ed85f20b8b93" StencilVersion="1.0"/>
-</Control>
-</file>
-
-<file path=customXml/item30.xml><?xml version="1.0" encoding="utf-8"?>
-<Control xmlns="http://schemas.microsoft.com/VisualStudio/2011/storyboarding/control">
-  <Id Name="369f9055-6b6c-48b9-9320-5df2d46c430a" Revision="1" Stencil="7276b9ef-3953-4dce-a89b-ed85f20b8b93" StencilVersion="1.0"/>
-</Control>
-</file>
-
-<file path=customXml/item31.xml><?xml version="1.0" encoding="utf-8"?>
-<Control xmlns="http://schemas.microsoft.com/VisualStudio/2011/storyboarding/control">
-  <Id Name="a53d73d2-368b-429e-b817-1324eec1382c" Revision="1" Stencil="7276b9ef-3953-4dce-a89b-ed85f20b8b93" StencilVersion="1.0"/>
-</Control>
-</file>
-
-<file path=customXml/item32.xml><?xml version="1.0" encoding="utf-8"?>
-<Control xmlns="http://schemas.microsoft.com/VisualStudio/2011/storyboarding/control">
-  <Id Name="fb22c541-ded0-47fa-8877-83a4c2d16227" Revision="1" Stencil="7276b9ef-3953-4dce-a89b-ed85f20b8b93" StencilVersion="1.0"/>
-</Control>
-</file>
-
-<file path=customXml/item33.xml><?xml version="1.0" encoding="utf-8"?>
-<Control xmlns="http://schemas.microsoft.com/VisualStudio/2011/storyboarding/control">
-  <Id Name="369f9055-6b6c-48b9-9320-5df2d46c430a" Revision="1" Stencil="7276b9ef-3953-4dce-a89b-ed85f20b8b93" StencilVersion="1.0"/>
-</Control>
-</file>
-
-<file path=customXml/item34.xml><?xml version="1.0" encoding="utf-8"?>
-<Control xmlns="http://schemas.microsoft.com/VisualStudio/2011/storyboarding/control">
-  <Id Name="a2191c86-fc50-4add-948c-129f6b5a88d8" Revision="1" Stencil="7276b9ef-3953-4dce-a89b-ed85f20b8b93" StencilVersion="1.0"/>
-</Control>
-</file>
-
-<file path=customXml/item35.xml><?xml version="1.0" encoding="utf-8"?>
-<Control xmlns="http://schemas.microsoft.com/VisualStudio/2011/storyboarding/control">
-  <Id Name="369f9055-6b6c-48b9-9320-5df2d46c430a" Revision="1" Stencil="7276b9ef-3953-4dce-a89b-ed85f20b8b93" StencilVersion="1.0"/>
-</Control>
-</file>
-
-<file path=customXml/item36.xml><?xml version="1.0" encoding="utf-8"?>
-<Control xmlns="http://schemas.microsoft.com/VisualStudio/2011/storyboarding/control">
-  <Id Name="d69996e1-3d61-4686-9b63-f1b855c596ab" Revision="1" Stencil="7276b9ef-3953-4dce-a89b-ed85f20b8b93" StencilVersion="1.0"/>
-</Control>
-</file>
-
-<file path=customXml/item37.xml><?xml version="1.0" encoding="utf-8"?>
+<file path=customXml/item9.xml><?xml version="1.0" encoding="utf-8"?>
 <p:properties xmlns:p="http://schemas.microsoft.com/office/2006/metadata/properties" xmlns:xsi="http://www.w3.org/2001/XMLSchema-instance" xmlns:pc="http://schemas.microsoft.com/office/infopath/2007/PartnerControls">
   <documentManagement>
     <SharedWithUsers xmlns="83cd2334-221a-48c3-9034-bfd1542dfe28">
@@ -47666,136 +48083,215 @@
 </p:properties>
 </file>
 
-<file path=customXml/item38.xml><?xml version="1.0" encoding="utf-8"?>
-<?mso-contentType ?>
-<FormTemplates xmlns="http://schemas.microsoft.com/sharepoint/v3/contenttype/forms">
-  <Display>DocumentLibraryForm</Display>
-  <Edit>DocumentLibraryForm</Edit>
-  <New>DocumentLibraryForm</New>
-</FormTemplates>
+<file path=customXml/itemProps1.xml><?xml version="1.0" encoding="utf-8"?>
+<ds:datastoreItem xmlns:ds="http://schemas.openxmlformats.org/officeDocument/2006/customXml" ds:itemID="{F990F116-B58F-4255-B05B-DA3808E0E5C6}">
+  <ds:schemaRefs>
+    <ds:schemaRef ds:uri="http://schemas.microsoft.com/office/2006/metadata/properties"/>
+    <ds:schemaRef ds:uri="http://schemas.microsoft.com/office/infopath/2007/PartnerControls"/>
+    <ds:schemaRef ds:uri="83cd2334-221a-48c3-9034-bfd1542dfe28"/>
+  </ds:schemaRefs>
+</ds:datastoreItem>
 </file>
 
-<file path=customXml/item39.xml><?xml version="1.0" encoding="utf-8"?>
-<Control xmlns="http://schemas.microsoft.com/VisualStudio/2011/storyboarding/control">
-  <Id Name="a2191c86-fc50-4add-948c-129f6b5a88d8" Revision="1" Stencil="7276b9ef-3953-4dce-a89b-ed85f20b8b93" StencilVersion="1.0"/>
-</Control>
+<file path=customXml/itemProps10.xml><?xml version="1.0" encoding="utf-8"?>
+<ds:datastoreItem xmlns:ds="http://schemas.openxmlformats.org/officeDocument/2006/customXml" ds:itemID="{97E714E7-FEBD-487B-A19B-A14135D10E62}">
+  <ds:schemaRefs>
+    <ds:schemaRef ds:uri="http://schemas.microsoft.com/sharepoint/v3/contenttype/forms"/>
+  </ds:schemaRefs>
+</ds:datastoreItem>
 </file>
 
-<file path=customXml/item4.xml><?xml version="1.0" encoding="utf-8"?>
-<?mso-contentType ?>
-<FormTemplates xmlns="http://schemas.microsoft.com/sharepoint/v3/contenttype/forms">
-  <Display>DocumentLibraryForm</Display>
-  <Edit>DocumentLibraryForm</Edit>
-  <New>DocumentLibraryForm</New>
-</FormTemplates>
+<file path=customXml/itemProps11.xml><?xml version="1.0" encoding="utf-8"?>
+<ds:datastoreItem xmlns:ds="http://schemas.openxmlformats.org/officeDocument/2006/customXml" ds:itemID="{D6FEE829-2115-45B4-8110-670FD454542B}">
+  <ds:schemaRefs>
+    <ds:schemaRef ds:uri="http://schemas.microsoft.com/VisualStudio/2011/storyboarding/control"/>
+  </ds:schemaRefs>
+</ds:datastoreItem>
 </file>
 
-<file path=customXml/item40.xml><?xml version="1.0" encoding="utf-8"?>
-<p:properties xmlns:p="http://schemas.microsoft.com/office/2006/metadata/properties" xmlns:xsi="http://www.w3.org/2001/XMLSchema-instance" xmlns:pc="http://schemas.microsoft.com/office/infopath/2007/PartnerControls">
-  <documentManagement>
-    <SharedWithUsers xmlns="83cd2334-221a-48c3-9034-bfd1542dfe28">
-      <UserInfo>
-        <DisplayName>Gilad Turbahn</DisplayName>
-        <AccountId>511</AccountId>
-        <AccountType/>
-      </UserInfo>
-      <UserInfo>
-        <DisplayName>Keith Boyd</DisplayName>
-        <AccountId>993</AccountId>
-        <AccountType/>
-      </UserInfo>
-      <UserInfo>
-        <DisplayName>Christopher Harrison</DisplayName>
-        <AccountId>1176</AccountId>
-        <AccountType/>
-      </UserInfo>
-    </SharedWithUsers>
-  </documentManagement>
-</p:properties>
+<file path=customXml/itemProps12.xml><?xml version="1.0" encoding="utf-8"?>
+<ds:datastoreItem xmlns:ds="http://schemas.openxmlformats.org/officeDocument/2006/customXml" ds:itemID="{82CF7300-177B-4EFE-B6EE-E1F673722888}">
+  <ds:schemaRefs>
+    <ds:schemaRef ds:uri="http://schemas.microsoft.com/office/2006/metadata/properties"/>
+    <ds:schemaRef ds:uri="http://schemas.microsoft.com/office/infopath/2007/PartnerControls"/>
+    <ds:schemaRef ds:uri="83cd2334-221a-48c3-9034-bfd1542dfe28"/>
+  </ds:schemaRefs>
+</ds:datastoreItem>
 </file>
 
-<file path=customXml/item41.xml><?xml version="1.0" encoding="utf-8"?>
-<Control xmlns="http://schemas.microsoft.com/VisualStudio/2011/storyboarding/control">
-  <Id Name="a53d73d2-368b-429e-b817-1324eec1382c" Revision="1" Stencil="7276b9ef-3953-4dce-a89b-ed85f20b8b93" StencilVersion="1.0"/>
-</Control>
+<file path=customXml/itemProps13.xml><?xml version="1.0" encoding="utf-8"?>
+<ds:datastoreItem xmlns:ds="http://schemas.openxmlformats.org/officeDocument/2006/customXml" ds:itemID="{8B7C7593-0F31-401F-B5AE-8697BEBC9037}">
+  <ds:schemaRefs>
+    <ds:schemaRef ds:uri="http://schemas.microsoft.com/office/2006/metadata/properties"/>
+    <ds:schemaRef ds:uri="http://schemas.microsoft.com/office/infopath/2007/PartnerControls"/>
+    <ds:schemaRef ds:uri="83cd2334-221a-48c3-9034-bfd1542dfe28"/>
+  </ds:schemaRefs>
+</ds:datastoreItem>
 </file>
 
-<file path=customXml/item42.xml><?xml version="1.0" encoding="utf-8"?>
-<Control xmlns="http://schemas.microsoft.com/VisualStudio/2011/storyboarding/control">
-  <Id Name="a53d73d2-368b-429e-b817-1324eec1382c" Revision="1" Stencil="7276b9ef-3953-4dce-a89b-ed85f20b8b93" StencilVersion="1.0"/>
-</Control>
+<file path=customXml/itemProps14.xml><?xml version="1.0" encoding="utf-8"?>
+<ds:datastoreItem xmlns:ds="http://schemas.openxmlformats.org/officeDocument/2006/customXml" ds:itemID="{08C4EE12-DF69-4FFC-9E40-C7991F3490A6}">
+  <ds:schemaRefs>
+    <ds:schemaRef ds:uri="http://schemas.microsoft.com/VisualStudio/2011/storyboarding/control"/>
+  </ds:schemaRefs>
+</ds:datastoreItem>
 </file>
 
-<file path=customXml/item43.xml><?xml version="1.0" encoding="utf-8"?>
-<Control xmlns="http://schemas.microsoft.com/VisualStudio/2011/storyboarding/control">
-  <Id Name="d69996e1-3d61-4686-9b63-f1b855c596ab" Revision="1" Stencil="7276b9ef-3953-4dce-a89b-ed85f20b8b93" StencilVersion="1.0"/>
-</Control>
+<file path=customXml/itemProps15.xml><?xml version="1.0" encoding="utf-8"?>
+<ds:datastoreItem xmlns:ds="http://schemas.openxmlformats.org/officeDocument/2006/customXml" ds:itemID="{052BE33F-5EBD-455D-B2B8-31A1ACCC4B51}">
+  <ds:schemaRefs>
+    <ds:schemaRef ds:uri="http://schemas.microsoft.com/sharepoint/v3/contenttype/forms"/>
+  </ds:schemaRefs>
+</ds:datastoreItem>
 </file>
 
-<file path=customXml/item44.xml><?xml version="1.0" encoding="utf-8"?>
-<Control xmlns="http://schemas.microsoft.com/VisualStudio/2011/storyboarding/control">
-  <Id Name="a53d73d2-368b-429e-b817-1324eec1382c" Revision="1" Stencil="7276b9ef-3953-4dce-a89b-ed85f20b8b93" StencilVersion="1.0"/>
-</Control>
+<file path=customXml/itemProps16.xml><?xml version="1.0" encoding="utf-8"?>
+<ds:datastoreItem xmlns:ds="http://schemas.openxmlformats.org/officeDocument/2006/customXml" ds:itemID="{3C954CC5-1CAC-4EC3-9791-8630483065B9}">
+  <ds:schemaRefs>
+    <ds:schemaRef ds:uri="http://schemas.microsoft.com/VisualStudio/2011/storyboarding/control"/>
+  </ds:schemaRefs>
+</ds:datastoreItem>
 </file>
 
-<file path=customXml/item45.xml><?xml version="1.0" encoding="utf-8"?>
-<Control xmlns="http://schemas.microsoft.com/VisualStudio/2011/storyboarding/control">
-  <Id Name="369f9055-6b6c-48b9-9320-5df2d46c430a" Revision="1" Stencil="7276b9ef-3953-4dce-a89b-ed85f20b8b93" StencilVersion="1.0"/>
-</Control>
+<file path=customXml/itemProps17.xml><?xml version="1.0" encoding="utf-8"?>
+<ds:datastoreItem xmlns:ds="http://schemas.openxmlformats.org/officeDocument/2006/customXml" ds:itemID="{3DC6CABD-46E1-4C27-A0B3-616DC56F8E5C}">
+  <ds:schemaRefs>
+    <ds:schemaRef ds:uri="http://schemas.microsoft.com/VisualStudio/2011/storyboarding/control"/>
+  </ds:schemaRefs>
+</ds:datastoreItem>
 </file>
 
-<file path=customXml/item5.xml><?xml version="1.0" encoding="utf-8"?>
-<?mso-contentType ?>
-<FormTemplates xmlns="http://schemas.microsoft.com/sharepoint/v3/contenttype/forms">
-  <Display>DocumentLibraryForm</Display>
-  <Edit>DocumentLibraryForm</Edit>
-  <New>DocumentLibraryForm</New>
-</FormTemplates>
+<file path=customXml/itemProps18.xml><?xml version="1.0" encoding="utf-8"?>
+<ds:datastoreItem xmlns:ds="http://schemas.openxmlformats.org/officeDocument/2006/customXml" ds:itemID="{432851C6-BC05-4673-B853-6D08AB80CDC4}">
+  <ds:schemaRefs>
+    <ds:schemaRef ds:uri="http://schemas.microsoft.com/VisualStudio/2011/storyboarding/control"/>
+  </ds:schemaRefs>
+</ds:datastoreItem>
 </file>
 
-<file path=customXml/item6.xml><?xml version="1.0" encoding="utf-8"?>
-<Control xmlns="http://schemas.microsoft.com/VisualStudio/2011/storyboarding/control">
-  <Id Name="369f9055-6b6c-48b9-9320-5df2d46c430a" Revision="1" Stencil="7276b9ef-3953-4dce-a89b-ed85f20b8b93" StencilVersion="1.0"/>
-</Control>
+<file path=customXml/itemProps19.xml><?xml version="1.0" encoding="utf-8"?>
+<ds:datastoreItem xmlns:ds="http://schemas.openxmlformats.org/officeDocument/2006/customXml" ds:itemID="{21F6B647-976A-41D0-B760-9DF9DFC6AE3C}">
+  <ds:schemaRefs>
+    <ds:schemaRef ds:uri="http://schemas.microsoft.com/VisualStudio/2011/storyboarding/control"/>
+  </ds:schemaRefs>
+</ds:datastoreItem>
 </file>
 
-<file path=customXml/item7.xml><?xml version="1.0" encoding="utf-8"?>
-<p:properties xmlns:p="http://schemas.microsoft.com/office/2006/metadata/properties" xmlns:xsi="http://www.w3.org/2001/XMLSchema-instance" xmlns:pc="http://schemas.microsoft.com/office/infopath/2007/PartnerControls">
-  <documentManagement>
-    <SharedWithUsers xmlns="83cd2334-221a-48c3-9034-bfd1542dfe28">
-      <UserInfo>
-        <DisplayName>Gilad Turbahn</DisplayName>
-        <AccountId>511</AccountId>
-        <AccountType/>
-      </UserInfo>
-      <UserInfo>
-        <DisplayName>Keith Boyd</DisplayName>
-        <AccountId>993</AccountId>
-        <AccountType/>
-      </UserInfo>
-      <UserInfo>
-        <DisplayName>Christopher Harrison</DisplayName>
-        <AccountId>1176</AccountId>
-        <AccountType/>
-      </UserInfo>
-    </SharedWithUsers>
-  </documentManagement>
-</p:properties>
+<file path=customXml/itemProps2.xml><?xml version="1.0" encoding="utf-8"?>
+<ds:datastoreItem xmlns:ds="http://schemas.openxmlformats.org/officeDocument/2006/customXml" ds:itemID="{86CB9B7E-243A-4E87-8A04-28A21E4E0FF7}">
+  <ds:schemaRefs>
+    <ds:schemaRef ds:uri="http://schemas.microsoft.com/sharepoint/v3/contenttype/forms"/>
+  </ds:schemaRefs>
+</ds:datastoreItem>
 </file>
 
-<file path=customXml/item8.xml><?xml version="1.0" encoding="utf-8"?>
-<Control xmlns="http://schemas.microsoft.com/VisualStudio/2011/storyboarding/control">
-  <Id Name="a2191c86-fc50-4add-948c-129f6b5a88d8" Revision="1" Stencil="7276b9ef-3953-4dce-a89b-ed85f20b8b93" StencilVersion="1.0"/>
-</Control>
+<file path=customXml/itemProps20.xml><?xml version="1.0" encoding="utf-8"?>
+<ds:datastoreItem xmlns:ds="http://schemas.openxmlformats.org/officeDocument/2006/customXml" ds:itemID="{42D603BF-B513-4201-A599-21BA0F4FFC40}">
+  <ds:schemaRefs>
+    <ds:schemaRef ds:uri="http://schemas.microsoft.com/VisualStudio/2011/storyboarding/control"/>
+  </ds:schemaRefs>
+</ds:datastoreItem>
 </file>
 
-<file path=customXml/item9.xml><?xml version="1.0" encoding="utf-8"?>
-<Control xmlns="http://schemas.microsoft.com/VisualStudio/2011/storyboarding/control">
-  <Id Name="d69996e1-3d61-4686-9b63-f1b855c596ab" Revision="1" Stencil="7276b9ef-3953-4dce-a89b-ed85f20b8b93" StencilVersion="1.0"/>
-</Control>
+<file path=customXml/itemProps21.xml><?xml version="1.0" encoding="utf-8"?>
+<ds:datastoreItem xmlns:ds="http://schemas.openxmlformats.org/officeDocument/2006/customXml" ds:itemID="{7959CC6A-F423-4783-B968-3BCC86A7394E}">
+  <ds:schemaRefs>
+    <ds:schemaRef ds:uri="http://schemas.microsoft.com/VisualStudio/2011/storyboarding/control"/>
+  </ds:schemaRefs>
+</ds:datastoreItem>
 </file>
 
-<file path=customXml/itemProps1.xml><?xml version="1.0" encoding="utf-8"?>
+<file path=customXml/itemProps22.xml><?xml version="1.0" encoding="utf-8"?>
+<ds:datastoreItem xmlns:ds="http://schemas.openxmlformats.org/officeDocument/2006/customXml" ds:itemID="{C0F92A87-A216-45A9-B9C0-0515663D35BF}">
+  <ds:schemaRefs>
+    <ds:schemaRef ds:uri="http://schemas.microsoft.com/VisualStudio/2011/storyboarding/control"/>
+  </ds:schemaRefs>
+</ds:datastoreItem>
+</file>
+
+<file path=customXml/itemProps23.xml><?xml version="1.0" encoding="utf-8"?>
+<ds:datastoreItem xmlns:ds="http://schemas.openxmlformats.org/officeDocument/2006/customXml" ds:itemID="{0B54C583-7BAB-4080-8093-C5F84F5A225A}">
+  <ds:schemaRefs>
+    <ds:schemaRef ds:uri="http://schemas.microsoft.com/VisualStudio/2011/storyboarding/control"/>
+  </ds:schemaRefs>
+</ds:datastoreItem>
+</file>
+
+<file path=customXml/itemProps24.xml><?xml version="1.0" encoding="utf-8"?>
+<ds:datastoreItem xmlns:ds="http://schemas.openxmlformats.org/officeDocument/2006/customXml" ds:itemID="{C63AC2F0-1DEB-4E91-A88A-7A014A172F4F}">
+  <ds:schemaRefs>
+    <ds:schemaRef ds:uri="http://schemas.microsoft.com/VisualStudio/2011/storyboarding/control"/>
+  </ds:schemaRefs>
+</ds:datastoreItem>
+</file>
+
+<file path=customXml/itemProps25.xml><?xml version="1.0" encoding="utf-8"?>
+<ds:datastoreItem xmlns:ds="http://schemas.openxmlformats.org/officeDocument/2006/customXml" ds:itemID="{758FDAC0-319D-4A54-8D8E-1D42CB1F8004}">
+  <ds:schemaRefs>
+    <ds:schemaRef ds:uri="http://schemas.microsoft.com/sharepoint/v3/contenttype/forms"/>
+  </ds:schemaRefs>
+</ds:datastoreItem>
+</file>
+
+<file path=customXml/itemProps26.xml><?xml version="1.0" encoding="utf-8"?>
+<ds:datastoreItem xmlns:ds="http://schemas.openxmlformats.org/officeDocument/2006/customXml" ds:itemID="{376216F9-AF6B-4844-AE8C-B9F953F916AB}">
+  <ds:schemaRefs>
+    <ds:schemaRef ds:uri="http://schemas.microsoft.com/VisualStudio/2011/storyboarding/control"/>
+  </ds:schemaRefs>
+</ds:datastoreItem>
+</file>
+
+<file path=customXml/itemProps27.xml><?xml version="1.0" encoding="utf-8"?>
+<ds:datastoreItem xmlns:ds="http://schemas.openxmlformats.org/officeDocument/2006/customXml" ds:itemID="{D4B5F268-5930-44CD-BDF1-D0A04D4BBC1C}">
+  <ds:schemaRefs>
+    <ds:schemaRef ds:uri="http://schemas.microsoft.com/VisualStudio/2011/storyboarding/control"/>
+  </ds:schemaRefs>
+</ds:datastoreItem>
+</file>
+
+<file path=customXml/itemProps28.xml><?xml version="1.0" encoding="utf-8"?>
+<ds:datastoreItem xmlns:ds="http://schemas.openxmlformats.org/officeDocument/2006/customXml" ds:itemID="{38217AA1-CC95-49A9-B284-2ED4D347D7CA}">
+  <ds:schemaRefs>
+    <ds:schemaRef ds:uri="http://schemas.microsoft.com/VisualStudio/2011/storyboarding/control"/>
+  </ds:schemaRefs>
+</ds:datastoreItem>
+</file>
+
+<file path=customXml/itemProps29.xml><?xml version="1.0" encoding="utf-8"?>
+<ds:datastoreItem xmlns:ds="http://schemas.openxmlformats.org/officeDocument/2006/customXml" ds:itemID="{9360AFB9-8F99-4E1B-878D-F2EBABEB164C}">
+  <ds:schemaRefs>
+    <ds:schemaRef ds:uri="http://schemas.microsoft.com/sharepoint/v3/contenttype/forms"/>
+  </ds:schemaRefs>
+</ds:datastoreItem>
+</file>
+
+<file path=customXml/itemProps3.xml><?xml version="1.0" encoding="utf-8"?>
+<ds:datastoreItem xmlns:ds="http://schemas.openxmlformats.org/officeDocument/2006/customXml" ds:itemID="{8257D6BC-B71E-4D95-81E4-A1D4A8174168}">
+  <ds:schemaRefs>
+    <ds:schemaRef ds:uri="http://schemas.microsoft.com/VisualStudio/2011/storyboarding/control"/>
+  </ds:schemaRefs>
+</ds:datastoreItem>
+</file>
+
+<file path=customXml/itemProps30.xml><?xml version="1.0" encoding="utf-8"?>
+<ds:datastoreItem xmlns:ds="http://schemas.openxmlformats.org/officeDocument/2006/customXml" ds:itemID="{E692D73E-1478-4790-BEEC-C5C534998F40}">
+  <ds:schemaRefs>
+    <ds:schemaRef ds:uri="http://schemas.microsoft.com/office/2006/metadata/properties"/>
+    <ds:schemaRef ds:uri="http://schemas.microsoft.com/office/infopath/2007/PartnerControls"/>
+    <ds:schemaRef ds:uri="83cd2334-221a-48c3-9034-bfd1542dfe28"/>
+  </ds:schemaRefs>
+</ds:datastoreItem>
+</file>
+
+<file path=customXml/itemProps31.xml><?xml version="1.0" encoding="utf-8"?>
+<ds:datastoreItem xmlns:ds="http://schemas.openxmlformats.org/officeDocument/2006/customXml" ds:itemID="{F68D8396-E21C-4AFF-8FDD-70D00673D0EE}">
+  <ds:schemaRefs>
+    <ds:schemaRef ds:uri="http://schemas.microsoft.com/VisualStudio/2011/storyboarding/control"/>
+  </ds:schemaRefs>
+</ds:datastoreItem>
+</file>
+
+<file path=customXml/itemProps32.xml><?xml version="1.0" encoding="utf-8"?>
 <ds:datastoreItem xmlns:ds="http://schemas.openxmlformats.org/officeDocument/2006/customXml" ds:itemID="{F44B34A8-4DFC-4F32-B3C9-177440695EAB}">
   <ds:schemaRefs>
     <ds:schemaRef ds:uri="http://schemas.microsoft.com/sharepoint/v3/contenttype/forms"/>
@@ -47803,7 +48299,47 @@
 </ds:datastoreItem>
 </file>
 
-<file path=customXml/itemProps10.xml><?xml version="1.0" encoding="utf-8"?>
+<file path=customXml/itemProps33.xml><?xml version="1.0" encoding="utf-8"?>
+<ds:datastoreItem xmlns:ds="http://schemas.openxmlformats.org/officeDocument/2006/customXml" ds:itemID="{82DB428A-B8F8-483F-8276-095629A8ECDB}">
+  <ds:schemaRefs>
+    <ds:schemaRef ds:uri="http://schemas.microsoft.com/VisualStudio/2011/storyboarding/control"/>
+  </ds:schemaRefs>
+</ds:datastoreItem>
+</file>
+
+<file path=customXml/itemProps34.xml><?xml version="1.0" encoding="utf-8"?>
+<ds:datastoreItem xmlns:ds="http://schemas.openxmlformats.org/officeDocument/2006/customXml" ds:itemID="{FE651ABA-5DC1-4ABD-A06E-055AE54B337B}">
+  <ds:schemaRefs>
+    <ds:schemaRef ds:uri="http://schemas.microsoft.com/VisualStudio/2011/storyboarding/control"/>
+  </ds:schemaRefs>
+</ds:datastoreItem>
+</file>
+
+<file path=customXml/itemProps35.xml><?xml version="1.0" encoding="utf-8"?>
+<ds:datastoreItem xmlns:ds="http://schemas.openxmlformats.org/officeDocument/2006/customXml" ds:itemID="{4E8278DB-3CDD-48A7-992E-A7596AD335B9}">
+  <ds:schemaRefs>
+    <ds:schemaRef ds:uri="http://schemas.microsoft.com/VisualStudio/2011/storyboarding/control"/>
+  </ds:schemaRefs>
+</ds:datastoreItem>
+</file>
+
+<file path=customXml/itemProps36.xml><?xml version="1.0" encoding="utf-8"?>
+<ds:datastoreItem xmlns:ds="http://schemas.openxmlformats.org/officeDocument/2006/customXml" ds:itemID="{4C1B3C27-4803-4D72-A3F8-6668A3F0A24B}">
+  <ds:schemaRefs>
+    <ds:schemaRef ds:uri="http://schemas.microsoft.com/VisualStudio/2011/storyboarding/control"/>
+  </ds:schemaRefs>
+</ds:datastoreItem>
+</file>
+
+<file path=customXml/itemProps37.xml><?xml version="1.0" encoding="utf-8"?>
+<ds:datastoreItem xmlns:ds="http://schemas.openxmlformats.org/officeDocument/2006/customXml" ds:itemID="{366CA990-F93D-4100-9654-65D9E30F4E1C}">
+  <ds:schemaRefs>
+    <ds:schemaRef ds:uri="http://schemas.microsoft.com/VisualStudio/2011/storyboarding/control"/>
+  </ds:schemaRefs>
+</ds:datastoreItem>
+</file>
+
+<file path=customXml/itemProps38.xml><?xml version="1.0" encoding="utf-8"?>
 <ds:datastoreItem xmlns:ds="http://schemas.openxmlformats.org/officeDocument/2006/customXml" ds:itemID="{51ED43DE-9999-46D5-866B-93ADAEAA7BD5}">
   <ds:schemaRefs>
     <ds:schemaRef ds:uri="http://schemas.microsoft.com/office/2006/metadata/properties"/>
@@ -47813,8 +48349,72 @@
 </ds:datastoreItem>
 </file>
 
-<file path=customXml/itemProps11.xml><?xml version="1.0" encoding="utf-8"?>
-<ds:datastoreItem xmlns:ds="http://schemas.openxmlformats.org/officeDocument/2006/customXml" ds:itemID="{473A6A21-7521-4B81-9336-9B587BA12275}">
+<file path=customXml/itemProps39.xml><?xml version="1.0" encoding="utf-8"?>
+<ds:datastoreItem xmlns:ds="http://schemas.openxmlformats.org/officeDocument/2006/customXml" ds:itemID="{6FB9D450-4C47-4A44-8C0D-C78D8A54C46F}">
+  <ds:schemaRefs>
+    <ds:schemaRef ds:uri="http://schemas.microsoft.com/VisualStudio/2011/storyboarding/control"/>
+  </ds:schemaRefs>
+</ds:datastoreItem>
+</file>
+
+<file path=customXml/itemProps4.xml><?xml version="1.0" encoding="utf-8"?>
+<ds:datastoreItem xmlns:ds="http://schemas.openxmlformats.org/officeDocument/2006/customXml" ds:itemID="{4E805D65-1532-4BB0-8F41-8013167C0009}">
+  <ds:schemaRefs>
+    <ds:schemaRef ds:uri="http://schemas.microsoft.com/VisualStudio/2011/storyboarding/control"/>
+  </ds:schemaRefs>
+</ds:datastoreItem>
+</file>
+
+<file path=customXml/itemProps40.xml><?xml version="1.0" encoding="utf-8"?>
+<ds:datastoreItem xmlns:ds="http://schemas.openxmlformats.org/officeDocument/2006/customXml" ds:itemID="{ED350DFE-2319-4AB0-BC96-1D36D125365A}">
+  <ds:schemaRefs>
+    <ds:schemaRef ds:uri="http://schemas.microsoft.com/VisualStudio/2011/storyboarding/control"/>
+  </ds:schemaRefs>
+</ds:datastoreItem>
+</file>
+
+<file path=customXml/itemProps41.xml><?xml version="1.0" encoding="utf-8"?>
+<ds:datastoreItem xmlns:ds="http://schemas.openxmlformats.org/officeDocument/2006/customXml" ds:itemID="{1EF25EC2-965B-4491-9691-6B806C9E3B8B}">
+  <ds:schemaRefs>
+    <ds:schemaRef ds:uri="http://schemas.microsoft.com/sharepoint/v3/contenttype/forms"/>
+  </ds:schemaRefs>
+</ds:datastoreItem>
+</file>
+
+<file path=customXml/itemProps42.xml><?xml version="1.0" encoding="utf-8"?>
+<ds:datastoreItem xmlns:ds="http://schemas.openxmlformats.org/officeDocument/2006/customXml" ds:itemID="{67213E6F-7B96-4222-888B-63710B06D885}">
+  <ds:schemaRefs>
+    <ds:schemaRef ds:uri="http://schemas.microsoft.com/VisualStudio/2011/storyboarding/control"/>
+  </ds:schemaRefs>
+</ds:datastoreItem>
+</file>
+
+<file path=customXml/itemProps43.xml><?xml version="1.0" encoding="utf-8"?>
+<ds:datastoreItem xmlns:ds="http://schemas.openxmlformats.org/officeDocument/2006/customXml" ds:itemID="{8893E80D-6D0C-4E0F-AA22-E5615BB87E5B}">
+  <ds:schemaRefs>
+    <ds:schemaRef ds:uri="http://schemas.microsoft.com/VisualStudio/2011/storyboarding/control"/>
+  </ds:schemaRefs>
+</ds:datastoreItem>
+</file>
+
+<file path=customXml/itemProps44.xml><?xml version="1.0" encoding="utf-8"?>
+<ds:datastoreItem xmlns:ds="http://schemas.openxmlformats.org/officeDocument/2006/customXml" ds:itemID="{0282FB20-2D4C-459D-8468-77D1D3C6925D}">
+  <ds:schemaRefs>
+    <ds:schemaRef ds:uri="http://schemas.microsoft.com/VisualStudio/2011/storyboarding/control"/>
+  </ds:schemaRefs>
+</ds:datastoreItem>
+</file>
+
+<file path=customXml/itemProps45.xml><?xml version="1.0" encoding="utf-8"?>
+<ds:datastoreItem xmlns:ds="http://schemas.openxmlformats.org/officeDocument/2006/customXml" ds:itemID="{4B16F4FE-7C26-4443-B426-81998D23ED87}">
+  <ds:schemaRefs>
+    <ds:schemaRef ds:uri="http://schemas.microsoft.com/VisualStudio/2011/storyboarding/control"/>
+  </ds:schemaRefs>
+</ds:datastoreItem>
+</file>
+
+<file path=customXml/itemProps5.xml><?xml version="1.0" encoding="utf-8"?>
+<ds:datastoreItem xmlns:ds="http://schemas.openxmlformats.org/officeDocument/2006/customXml" ds:itemID="{1C74BD1B-C336-4BF3-9DC2-F61AEC4AF3DB}">
   <ds:schemaRefs>
     <ds:schemaRef ds:uri="http://schemas.microsoft.com/office/2006/metadata/properties"/>
     <ds:schemaRef ds:uri="http://schemas.microsoft.com/office/infopath/2007/PartnerControls"/>
@@ -47823,39 +48423,15 @@
 </ds:datastoreItem>
 </file>
 
-<file path=customXml/itemProps12.xml><?xml version="1.0" encoding="utf-8"?>
-<ds:datastoreItem xmlns:ds="http://schemas.openxmlformats.org/officeDocument/2006/customXml" ds:itemID="{758FDAC0-319D-4A54-8D8E-1D42CB1F8004}">
-  <ds:schemaRefs>
-    <ds:schemaRef ds:uri="http://schemas.microsoft.com/sharepoint/v3/contenttype/forms"/>
-  </ds:schemaRefs>
-</ds:datastoreItem>
-</file>
-
-<file path=customXml/itemProps13.xml><?xml version="1.0" encoding="utf-8"?>
-<ds:datastoreItem xmlns:ds="http://schemas.openxmlformats.org/officeDocument/2006/customXml" ds:itemID="{8893E80D-6D0C-4E0F-AA22-E5615BB87E5B}">
+<file path=customXml/itemProps6.xml><?xml version="1.0" encoding="utf-8"?>
+<ds:datastoreItem xmlns:ds="http://schemas.openxmlformats.org/officeDocument/2006/customXml" ds:itemID="{8BD595CA-AC5E-43B9-B966-E468A16E8322}">
   <ds:schemaRefs>
     <ds:schemaRef ds:uri="http://schemas.microsoft.com/VisualStudio/2011/storyboarding/control"/>
   </ds:schemaRefs>
 </ds:datastoreItem>
 </file>
 
-<file path=customXml/itemProps14.xml><?xml version="1.0" encoding="utf-8"?>
-<ds:datastoreItem xmlns:ds="http://schemas.openxmlformats.org/officeDocument/2006/customXml" ds:itemID="{3DC6CABD-46E1-4C27-A0B3-616DC56F8E5C}">
-  <ds:schemaRefs>
-    <ds:schemaRef ds:uri="http://schemas.microsoft.com/VisualStudio/2011/storyboarding/control"/>
-  </ds:schemaRefs>
-</ds:datastoreItem>
-</file>
-
-<file path=customXml/itemProps15.xml><?xml version="1.0" encoding="utf-8"?>
-<ds:datastoreItem xmlns:ds="http://schemas.openxmlformats.org/officeDocument/2006/customXml" ds:itemID="{FE651ABA-5DC1-4ABD-A06E-055AE54B337B}">
-  <ds:schemaRefs>
-    <ds:schemaRef ds:uri="http://schemas.microsoft.com/VisualStudio/2011/storyboarding/control"/>
-  </ds:schemaRefs>
-</ds:datastoreItem>
-</file>
-
-<file path=customXml/itemProps16.xml><?xml version="1.0" encoding="utf-8"?>
+<file path=customXml/itemProps7.xml><?xml version="1.0" encoding="utf-8"?>
 <ds:datastoreItem xmlns:ds="http://schemas.openxmlformats.org/officeDocument/2006/customXml" ds:itemID="{B5105A87-47B6-44F6-97FD-4619C0556604}">
   <ds:schemaRefs>
     <ds:schemaRef ds:uri="http://schemas.microsoft.com/VisualStudio/2011/storyboarding/control"/>
@@ -47863,115 +48439,7 @@
 </ds:datastoreItem>
 </file>
 
-<file path=customXml/itemProps17.xml><?xml version="1.0" encoding="utf-8"?>
-<ds:datastoreItem xmlns:ds="http://schemas.openxmlformats.org/officeDocument/2006/customXml" ds:itemID="{376216F9-AF6B-4844-AE8C-B9F953F916AB}">
-  <ds:schemaRefs>
-    <ds:schemaRef ds:uri="http://schemas.microsoft.com/VisualStudio/2011/storyboarding/control"/>
-  </ds:schemaRefs>
-</ds:datastoreItem>
-</file>
-
-<file path=customXml/itemProps18.xml><?xml version="1.0" encoding="utf-8"?>
-<ds:datastoreItem xmlns:ds="http://schemas.openxmlformats.org/officeDocument/2006/customXml" ds:itemID="{0282FB20-2D4C-459D-8468-77D1D3C6925D}">
-  <ds:schemaRefs>
-    <ds:schemaRef ds:uri="http://schemas.microsoft.com/VisualStudio/2011/storyboarding/control"/>
-  </ds:schemaRefs>
-</ds:datastoreItem>
-</file>
-
-<file path=customXml/itemProps19.xml><?xml version="1.0" encoding="utf-8"?>
-<ds:datastoreItem xmlns:ds="http://schemas.openxmlformats.org/officeDocument/2006/customXml" ds:itemID="{3C954CC5-1CAC-4EC3-9791-8630483065B9}">
-  <ds:schemaRefs>
-    <ds:schemaRef ds:uri="http://schemas.microsoft.com/VisualStudio/2011/storyboarding/control"/>
-  </ds:schemaRefs>
-</ds:datastoreItem>
-</file>
-
-<file path=customXml/itemProps2.xml><?xml version="1.0" encoding="utf-8"?>
-<ds:datastoreItem xmlns:ds="http://schemas.openxmlformats.org/officeDocument/2006/customXml" ds:itemID="{8BD595CA-AC5E-43B9-B966-E468A16E8322}">
-  <ds:schemaRefs>
-    <ds:schemaRef ds:uri="http://schemas.microsoft.com/VisualStudio/2011/storyboarding/control"/>
-  </ds:schemaRefs>
-</ds:datastoreItem>
-</file>
-
-<file path=customXml/itemProps20.xml><?xml version="1.0" encoding="utf-8"?>
-<ds:datastoreItem xmlns:ds="http://schemas.openxmlformats.org/officeDocument/2006/customXml" ds:itemID="{E692D73E-1478-4790-BEEC-C5C534998F40}">
-  <ds:schemaRefs>
-    <ds:schemaRef ds:uri="http://schemas.microsoft.com/office/2006/metadata/properties"/>
-    <ds:schemaRef ds:uri="http://schemas.microsoft.com/office/infopath/2007/PartnerControls"/>
-    <ds:schemaRef ds:uri="83cd2334-221a-48c3-9034-bfd1542dfe28"/>
-  </ds:schemaRefs>
-</ds:datastoreItem>
-</file>
-
-<file path=customXml/itemProps21.xml><?xml version="1.0" encoding="utf-8"?>
-<ds:datastoreItem xmlns:ds="http://schemas.openxmlformats.org/officeDocument/2006/customXml" ds:itemID="{86CB9B7E-243A-4E87-8A04-28A21E4E0FF7}">
-  <ds:schemaRefs>
-    <ds:schemaRef ds:uri="http://schemas.microsoft.com/sharepoint/v3/contenttype/forms"/>
-  </ds:schemaRefs>
-</ds:datastoreItem>
-</file>
-
-<file path=customXml/itemProps22.xml><?xml version="1.0" encoding="utf-8"?>
-<ds:datastoreItem xmlns:ds="http://schemas.openxmlformats.org/officeDocument/2006/customXml" ds:itemID="{432851C6-BC05-4673-B853-6D08AB80CDC4}">
-  <ds:schemaRefs>
-    <ds:schemaRef ds:uri="http://schemas.microsoft.com/VisualStudio/2011/storyboarding/control"/>
-  </ds:schemaRefs>
-</ds:datastoreItem>
-</file>
-
-<file path=customXml/itemProps23.xml><?xml version="1.0" encoding="utf-8"?>
-<ds:datastoreItem xmlns:ds="http://schemas.openxmlformats.org/officeDocument/2006/customXml" ds:itemID="{4E8278DB-3CDD-48A7-992E-A7596AD335B9}">
-  <ds:schemaRefs>
-    <ds:schemaRef ds:uri="http://schemas.microsoft.com/VisualStudio/2011/storyboarding/control"/>
-  </ds:schemaRefs>
-</ds:datastoreItem>
-</file>
-
-<file path=customXml/itemProps24.xml><?xml version="1.0" encoding="utf-8"?>
-<ds:datastoreItem xmlns:ds="http://schemas.openxmlformats.org/officeDocument/2006/customXml" ds:itemID="{97E714E7-FEBD-487B-A19B-A14135D10E62}">
-  <ds:schemaRefs>
-    <ds:schemaRef ds:uri="http://schemas.microsoft.com/sharepoint/v3/contenttype/forms"/>
-  </ds:schemaRefs>
-</ds:datastoreItem>
-</file>
-
-<file path=customXml/itemProps25.xml><?xml version="1.0" encoding="utf-8"?>
-<ds:datastoreItem xmlns:ds="http://schemas.openxmlformats.org/officeDocument/2006/customXml" ds:itemID="{D4B5F268-5930-44CD-BDF1-D0A04D4BBC1C}">
-  <ds:schemaRefs>
-    <ds:schemaRef ds:uri="http://schemas.microsoft.com/VisualStudio/2011/storyboarding/control"/>
-  </ds:schemaRefs>
-</ds:datastoreItem>
-</file>
-
-<file path=customXml/itemProps26.xml><?xml version="1.0" encoding="utf-8"?>
-<ds:datastoreItem xmlns:ds="http://schemas.openxmlformats.org/officeDocument/2006/customXml" ds:itemID="{F990F116-B58F-4255-B05B-DA3808E0E5C6}">
-  <ds:schemaRefs>
-    <ds:schemaRef ds:uri="http://schemas.microsoft.com/office/2006/metadata/properties"/>
-    <ds:schemaRef ds:uri="http://schemas.microsoft.com/office/infopath/2007/PartnerControls"/>
-    <ds:schemaRef ds:uri="83cd2334-221a-48c3-9034-bfd1542dfe28"/>
-  </ds:schemaRefs>
-</ds:datastoreItem>
-</file>
-
-<file path=customXml/itemProps27.xml><?xml version="1.0" encoding="utf-8"?>
-<ds:datastoreItem xmlns:ds="http://schemas.openxmlformats.org/officeDocument/2006/customXml" ds:itemID="{21F6B647-976A-41D0-B760-9DF9DFC6AE3C}">
-  <ds:schemaRefs>
-    <ds:schemaRef ds:uri="http://schemas.microsoft.com/VisualStudio/2011/storyboarding/control"/>
-  </ds:schemaRefs>
-</ds:datastoreItem>
-</file>
-
-<file path=customXml/itemProps28.xml><?xml version="1.0" encoding="utf-8"?>
-<ds:datastoreItem xmlns:ds="http://schemas.openxmlformats.org/officeDocument/2006/customXml" ds:itemID="{4C1B3C27-4803-4D72-A3F8-6668A3F0A24B}">
-  <ds:schemaRefs>
-    <ds:schemaRef ds:uri="http://schemas.microsoft.com/VisualStudio/2011/storyboarding/control"/>
-  </ds:schemaRefs>
-</ds:datastoreItem>
-</file>
-
-<file path=customXml/itemProps29.xml><?xml version="1.0" encoding="utf-8"?>
+<file path=customXml/itemProps8.xml><?xml version="1.0" encoding="utf-8"?>
 <ds:datastoreItem xmlns:ds="http://schemas.openxmlformats.org/officeDocument/2006/customXml" ds:itemID="{11F98F69-7518-4AE2-AE7B-E037DC9DDC97}">
   <ds:schemaRefs>
     <ds:schemaRef ds:uri="http://schemas.microsoft.com/office/2006/metadata/contentType"/>
@@ -47989,192 +48457,12 @@
 </ds:datastoreItem>
 </file>
 
-<file path=customXml/itemProps3.xml><?xml version="1.0" encoding="utf-8"?>
-<ds:datastoreItem xmlns:ds="http://schemas.openxmlformats.org/officeDocument/2006/customXml" ds:itemID="{C63AC2F0-1DEB-4E91-A88A-7A014A172F4F}">
-  <ds:schemaRefs>
-    <ds:schemaRef ds:uri="http://schemas.microsoft.com/VisualStudio/2011/storyboarding/control"/>
-  </ds:schemaRefs>
-</ds:datastoreItem>
-</file>
-
-<file path=customXml/itemProps30.xml><?xml version="1.0" encoding="utf-8"?>
-<ds:datastoreItem xmlns:ds="http://schemas.openxmlformats.org/officeDocument/2006/customXml" ds:itemID="{42D603BF-B513-4201-A599-21BA0F4FFC40}">
-  <ds:schemaRefs>
-    <ds:schemaRef ds:uri="http://schemas.microsoft.com/VisualStudio/2011/storyboarding/control"/>
-  </ds:schemaRefs>
-</ds:datastoreItem>
-</file>
-
-<file path=customXml/itemProps31.xml><?xml version="1.0" encoding="utf-8"?>
-<ds:datastoreItem xmlns:ds="http://schemas.openxmlformats.org/officeDocument/2006/customXml" ds:itemID="{6FB9D450-4C47-4A44-8C0D-C78D8A54C46F}">
-  <ds:schemaRefs>
-    <ds:schemaRef ds:uri="http://schemas.microsoft.com/VisualStudio/2011/storyboarding/control"/>
-  </ds:schemaRefs>
-</ds:datastoreItem>
-</file>
-
-<file path=customXml/itemProps32.xml><?xml version="1.0" encoding="utf-8"?>
-<ds:datastoreItem xmlns:ds="http://schemas.openxmlformats.org/officeDocument/2006/customXml" ds:itemID="{D6FEE829-2115-45B4-8110-670FD454542B}">
-  <ds:schemaRefs>
-    <ds:schemaRef ds:uri="http://schemas.microsoft.com/VisualStudio/2011/storyboarding/control"/>
-  </ds:schemaRefs>
-</ds:datastoreItem>
-</file>
-
-<file path=customXml/itemProps33.xml><?xml version="1.0" encoding="utf-8"?>
-<ds:datastoreItem xmlns:ds="http://schemas.openxmlformats.org/officeDocument/2006/customXml" ds:itemID="{38217AA1-CC95-49A9-B284-2ED4D347D7CA}">
-  <ds:schemaRefs>
-    <ds:schemaRef ds:uri="http://schemas.microsoft.com/VisualStudio/2011/storyboarding/control"/>
-  </ds:schemaRefs>
-</ds:datastoreItem>
-</file>
-
-<file path=customXml/itemProps34.xml><?xml version="1.0" encoding="utf-8"?>
-<ds:datastoreItem xmlns:ds="http://schemas.openxmlformats.org/officeDocument/2006/customXml" ds:itemID="{8257D6BC-B71E-4D95-81E4-A1D4A8174168}">
-  <ds:schemaRefs>
-    <ds:schemaRef ds:uri="http://schemas.microsoft.com/VisualStudio/2011/storyboarding/control"/>
-  </ds:schemaRefs>
-</ds:datastoreItem>
-</file>
-
-<file path=customXml/itemProps35.xml><?xml version="1.0" encoding="utf-8"?>
-<ds:datastoreItem xmlns:ds="http://schemas.openxmlformats.org/officeDocument/2006/customXml" ds:itemID="{7959CC6A-F423-4783-B968-3BCC86A7394E}">
-  <ds:schemaRefs>
-    <ds:schemaRef ds:uri="http://schemas.microsoft.com/VisualStudio/2011/storyboarding/control"/>
-  </ds:schemaRefs>
-</ds:datastoreItem>
-</file>
-
-<file path=customXml/itemProps36.xml><?xml version="1.0" encoding="utf-8"?>
-<ds:datastoreItem xmlns:ds="http://schemas.openxmlformats.org/officeDocument/2006/customXml" ds:itemID="{366CA990-F93D-4100-9654-65D9E30F4E1C}">
-  <ds:schemaRefs>
-    <ds:schemaRef ds:uri="http://schemas.microsoft.com/VisualStudio/2011/storyboarding/control"/>
-  </ds:schemaRefs>
-</ds:datastoreItem>
-</file>
-
-<file path=customXml/itemProps37.xml><?xml version="1.0" encoding="utf-8"?>
-<ds:datastoreItem xmlns:ds="http://schemas.openxmlformats.org/officeDocument/2006/customXml" ds:itemID="{82CF7300-177B-4EFE-B6EE-E1F673722888}">
+<file path=customXml/itemProps9.xml><?xml version="1.0" encoding="utf-8"?>
+<ds:datastoreItem xmlns:ds="http://schemas.openxmlformats.org/officeDocument/2006/customXml" ds:itemID="{473A6A21-7521-4B81-9336-9B587BA12275}">
   <ds:schemaRefs>
     <ds:schemaRef ds:uri="http://schemas.microsoft.com/office/2006/metadata/properties"/>
     <ds:schemaRef ds:uri="http://schemas.microsoft.com/office/infopath/2007/PartnerControls"/>
     <ds:schemaRef ds:uri="83cd2334-221a-48c3-9034-bfd1542dfe28"/>
   </ds:schemaRefs>
 </ds:datastoreItem>
-</file>
-
-<file path=customXml/itemProps38.xml><?xml version="1.0" encoding="utf-8"?>
-<ds:datastoreItem xmlns:ds="http://schemas.openxmlformats.org/officeDocument/2006/customXml" ds:itemID="{9360AFB9-8F99-4E1B-878D-F2EBABEB164C}">
-  <ds:schemaRefs>
-    <ds:schemaRef ds:uri="http://schemas.microsoft.com/sharepoint/v3/contenttype/forms"/>
-  </ds:schemaRefs>
-</ds:datastoreItem>
-</file>
-
-<file path=customXml/itemProps39.xml><?xml version="1.0" encoding="utf-8"?>
-<ds:datastoreItem xmlns:ds="http://schemas.openxmlformats.org/officeDocument/2006/customXml" ds:itemID="{4B16F4FE-7C26-4443-B426-81998D23ED87}">
-  <ds:schemaRefs>
-    <ds:schemaRef ds:uri="http://schemas.microsoft.com/VisualStudio/2011/storyboarding/control"/>
-  </ds:schemaRefs>
-</ds:datastoreItem>
-</file>
-
-<file path=customXml/itemProps4.xml><?xml version="1.0" encoding="utf-8"?>
-<ds:datastoreItem xmlns:ds="http://schemas.openxmlformats.org/officeDocument/2006/customXml" ds:itemID="{1EF25EC2-965B-4491-9691-6B806C9E3B8B}">
-  <ds:schemaRefs>
-    <ds:schemaRef ds:uri="http://schemas.microsoft.com/sharepoint/v3/contenttype/forms"/>
-  </ds:schemaRefs>
-</ds:datastoreItem>
-</file>
-
-<file path=customXml/itemProps40.xml><?xml version="1.0" encoding="utf-8"?>
-<ds:datastoreItem xmlns:ds="http://schemas.openxmlformats.org/officeDocument/2006/customXml" ds:itemID="{8B7C7593-0F31-401F-B5AE-8697BEBC9037}">
-  <ds:schemaRefs>
-    <ds:schemaRef ds:uri="http://schemas.microsoft.com/office/2006/metadata/properties"/>
-    <ds:schemaRef ds:uri="http://schemas.microsoft.com/office/infopath/2007/PartnerControls"/>
-    <ds:schemaRef ds:uri="83cd2334-221a-48c3-9034-bfd1542dfe28"/>
-  </ds:schemaRefs>
-</ds:datastoreItem>
-</file>
-
-<file path=customXml/itemProps41.xml><?xml version="1.0" encoding="utf-8"?>
-<ds:datastoreItem xmlns:ds="http://schemas.openxmlformats.org/officeDocument/2006/customXml" ds:itemID="{F68D8396-E21C-4AFF-8FDD-70D00673D0EE}">
-  <ds:schemaRefs>
-    <ds:schemaRef ds:uri="http://schemas.microsoft.com/VisualStudio/2011/storyboarding/control"/>
-  </ds:schemaRefs>
-</ds:datastoreItem>
-</file>
-
-<file path=customXml/itemProps42.xml><?xml version="1.0" encoding="utf-8"?>
-<ds:datastoreItem xmlns:ds="http://schemas.openxmlformats.org/officeDocument/2006/customXml" ds:itemID="{4E805D65-1532-4BB0-8F41-8013167C0009}">
-  <ds:schemaRefs>
-    <ds:schemaRef ds:uri="http://schemas.microsoft.com/VisualStudio/2011/storyboarding/control"/>
-  </ds:schemaRefs>
-</ds:datastoreItem>
-</file>
-
-<file path=customXml/itemProps43.xml><?xml version="1.0" encoding="utf-8"?>
-<ds:datastoreItem xmlns:ds="http://schemas.openxmlformats.org/officeDocument/2006/customXml" ds:itemID="{C0F92A87-A216-45A9-B9C0-0515663D35BF}">
-  <ds:schemaRefs>
-    <ds:schemaRef ds:uri="http://schemas.microsoft.com/VisualStudio/2011/storyboarding/control"/>
-  </ds:schemaRefs>
-</ds:datastoreItem>
-</file>
-
-<file path=customXml/itemProps44.xml><?xml version="1.0" encoding="utf-8"?>
-<ds:datastoreItem xmlns:ds="http://schemas.openxmlformats.org/officeDocument/2006/customXml" ds:itemID="{ED350DFE-2319-4AB0-BC96-1D36D125365A}">
-  <ds:schemaRefs>
-    <ds:schemaRef ds:uri="http://schemas.microsoft.com/VisualStudio/2011/storyboarding/control"/>
-  </ds:schemaRefs>
-</ds:datastoreItem>
-</file>
-
-<file path=customXml/itemProps45.xml><?xml version="1.0" encoding="utf-8"?>
-<ds:datastoreItem xmlns:ds="http://schemas.openxmlformats.org/officeDocument/2006/customXml" ds:itemID="{08C4EE12-DF69-4FFC-9E40-C7991F3490A6}">
-  <ds:schemaRefs>
-    <ds:schemaRef ds:uri="http://schemas.microsoft.com/VisualStudio/2011/storyboarding/control"/>
-  </ds:schemaRefs>
-</ds:datastoreItem>
-</file>
-
-<file path=customXml/itemProps5.xml><?xml version="1.0" encoding="utf-8"?>
-<ds:datastoreItem xmlns:ds="http://schemas.openxmlformats.org/officeDocument/2006/customXml" ds:itemID="{052BE33F-5EBD-455D-B2B8-31A1ACCC4B51}">
-  <ds:schemaRefs>
-    <ds:schemaRef ds:uri="http://schemas.microsoft.com/sharepoint/v3/contenttype/forms"/>
-  </ds:schemaRefs>
-</ds:datastoreItem>
-</file>
-
-<file path=customXml/itemProps6.xml><?xml version="1.0" encoding="utf-8"?>
-<ds:datastoreItem xmlns:ds="http://schemas.openxmlformats.org/officeDocument/2006/customXml" ds:itemID="{82DB428A-B8F8-483F-8276-095629A8ECDB}">
-  <ds:schemaRefs>
-    <ds:schemaRef ds:uri="http://schemas.microsoft.com/VisualStudio/2011/storyboarding/control"/>
-  </ds:schemaRefs>
-</ds:datastoreItem>
-</file>
-
-<file path=customXml/itemProps7.xml><?xml version="1.0" encoding="utf-8"?>
-<ds:datastoreItem xmlns:ds="http://schemas.openxmlformats.org/officeDocument/2006/customXml" ds:itemID="{1C74BD1B-C336-4BF3-9DC2-F61AEC4AF3DB}">
-  <ds:schemaRefs>
-    <ds:schemaRef ds:uri="http://schemas.microsoft.com/office/2006/metadata/properties"/>
-    <ds:schemaRef ds:uri="http://schemas.microsoft.com/office/infopath/2007/PartnerControls"/>
-    <ds:schemaRef ds:uri="83cd2334-221a-48c3-9034-bfd1542dfe28"/>
-  </ds:schemaRefs>
-</ds:datastoreItem>
-</file>
-
-<file path=customXml/itemProps8.xml><?xml version="1.0" encoding="utf-8"?>
-<ds:datastoreItem xmlns:ds="http://schemas.openxmlformats.org/officeDocument/2006/customXml" ds:itemID="{0B54C583-7BAB-4080-8093-C5F84F5A225A}">
-  <ds:schemaRefs>
-    <ds:schemaRef ds:uri="http://schemas.microsoft.com/VisualStudio/2011/storyboarding/control"/>
-  </ds:schemaRefs>
-</ds:datastoreItem>
-</file>
-
-<file path=customXml/itemProps9.xml><?xml version="1.0" encoding="utf-8"?>
-<ds:datastoreItem xmlns:ds="http://schemas.openxmlformats.org/officeDocument/2006/customXml" ds:itemID="{67213E6F-7B96-4222-888B-63710B06D885}">
-  <ds:schemaRefs>
-    <ds:schemaRef ds:uri="http://schemas.microsoft.com/VisualStudio/2011/storyboarding/control"/>
-  </ds:schemaRefs>
-</ds:datastoreItem>
 </file>